--- a/Data/Output/Robotic Process Automation PMO.pptx
+++ b/Data/Output/Robotic Process Automation PMO.pptx
@@ -213,7 +213,7 @@
           <a:p>
             <a:fld id="{4AA46FC0-048C-40D8-958B-7775FA2711F6}" type="datetimeFigureOut">
               <a:rPr lang="en-US" smtClean="0"/>
-              <a:t>5/15/2020</a:t>
+              <a:t>5/18/2020</a:t>
             </a:fld>
             <a:endParaRPr lang="en-US"/>
           </a:p>
@@ -557,7 +557,7 @@
           <a:p>
             <a:fld id="{31D2A231-A7A4-4168-91EA-2B6389CA866E}" type="datetimeFigureOut">
               <a:rPr lang="en-US" smtClean="0"/>
-              <a:t>5/15/2020</a:t>
+              <a:t>5/18/2020</a:t>
             </a:fld>
             <a:endParaRPr lang="en-US"/>
           </a:p>
@@ -840,7 +840,7 @@
           <a:p>
             <a:fld id="{31D2A231-A7A4-4168-91EA-2B6389CA866E}" type="datetimeFigureOut">
               <a:rPr lang="en-US" smtClean="0"/>
-              <a:t>5/15/2020</a:t>
+              <a:t>5/18/2020</a:t>
             </a:fld>
             <a:endParaRPr lang="en-US"/>
           </a:p>
@@ -1048,7 +1048,7 @@
           <a:p>
             <a:fld id="{31D2A231-A7A4-4168-91EA-2B6389CA866E}" type="datetimeFigureOut">
               <a:rPr lang="en-US" smtClean="0"/>
-              <a:t>5/15/2020</a:t>
+              <a:t>5/18/2020</a:t>
             </a:fld>
             <a:endParaRPr lang="en-US"/>
           </a:p>
@@ -1598,7 +1598,7 @@
           <a:p>
             <a:fld id="{31D2A231-A7A4-4168-91EA-2B6389CA866E}" type="datetimeFigureOut">
               <a:rPr lang="en-US" smtClean="0"/>
-              <a:t>5/15/2020</a:t>
+              <a:t>5/18/2020</a:t>
             </a:fld>
             <a:endParaRPr lang="en-US"/>
           </a:p>
@@ -1863,7 +1863,7 @@
           <a:p>
             <a:fld id="{31D2A231-A7A4-4168-91EA-2B6389CA866E}" type="datetimeFigureOut">
               <a:rPr lang="en-US" smtClean="0"/>
-              <a:t>5/15/2020</a:t>
+              <a:t>5/18/2020</a:t>
             </a:fld>
             <a:endParaRPr lang="en-US"/>
           </a:p>
@@ -2275,7 +2275,7 @@
           <a:p>
             <a:fld id="{31D2A231-A7A4-4168-91EA-2B6389CA866E}" type="datetimeFigureOut">
               <a:rPr lang="en-US" smtClean="0"/>
-              <a:t>5/15/2020</a:t>
+              <a:t>5/18/2020</a:t>
             </a:fld>
             <a:endParaRPr lang="en-US"/>
           </a:p>
@@ -2416,7 +2416,7 @@
           <a:p>
             <a:fld id="{31D2A231-A7A4-4168-91EA-2B6389CA866E}" type="datetimeFigureOut">
               <a:rPr lang="en-US" smtClean="0"/>
-              <a:t>5/15/2020</a:t>
+              <a:t>5/18/2020</a:t>
             </a:fld>
             <a:endParaRPr lang="en-US"/>
           </a:p>
@@ -2529,7 +2529,7 @@
           <a:p>
             <a:fld id="{31D2A231-A7A4-4168-91EA-2B6389CA866E}" type="datetimeFigureOut">
               <a:rPr lang="en-US" smtClean="0"/>
-              <a:t>5/15/2020</a:t>
+              <a:t>5/18/2020</a:t>
             </a:fld>
             <a:endParaRPr lang="en-US"/>
           </a:p>
@@ -2840,7 +2840,7 @@
           <a:p>
             <a:fld id="{31D2A231-A7A4-4168-91EA-2B6389CA866E}" type="datetimeFigureOut">
               <a:rPr lang="en-US" smtClean="0"/>
-              <a:t>5/15/2020</a:t>
+              <a:t>5/18/2020</a:t>
             </a:fld>
             <a:endParaRPr lang="en-US"/>
           </a:p>
@@ -3128,7 +3128,7 @@
           <a:p>
             <a:fld id="{31D2A231-A7A4-4168-91EA-2B6389CA866E}" type="datetimeFigureOut">
               <a:rPr lang="en-US" smtClean="0"/>
-              <a:t>5/15/2020</a:t>
+              <a:t>5/18/2020</a:t>
             </a:fld>
             <a:endParaRPr lang="en-US"/>
           </a:p>
@@ -3369,7 +3369,7 @@
           <a:p>
             <a:fld id="{31D2A231-A7A4-4168-91EA-2B6389CA866E}" type="datetimeFigureOut">
               <a:rPr lang="en-US" smtClean="0"/>
-              <a:t>5/15/2020</a:t>
+              <a:t>5/18/2020</a:t>
             </a:fld>
             <a:endParaRPr lang="en-US"/>
           </a:p>
@@ -3868,7 +3868,7 @@
           <p:cNvPr id="3" name="TextBox 2">
             <a:extLst>
               <a:ext uri="{FF2B5EF4-FFF2-40B4-BE49-F238E27FC236}">
-                <a16:creationId xmlns:a16="http://schemas.microsoft.com/office/drawing/2014/main" id="{6ED85D3E-FD53-4BBA-A72C-2A34B0C3045C}"/>
+                <a16:creationId xmlns:a16="http://schemas.microsoft.com/office/drawing/2014/main" id="{892033A0-00E2-4DB7-8972-499EC17FAC2E}"/>
               </a:ext>
             </a:extLst>
           </p:cNvPr>
@@ -3895,7 +3895,7 @@
               <a:rPr lang="en-US" sz="2800">
                 <a:latin typeface="Calibri" panose="020F0502020204030204" pitchFamily="34" charset="0"/>
               </a:rPr>
-              <a:t>Prepared on  - 05/15/20</a:t>
+              <a:t>Prepared on  - 05/18/20</a:t>
             </a:r>
           </a:p>
         </p:txBody>
@@ -3969,7 +3969,7 @@
           <p:cNvPr id="3" name="Table Placeholder 2">
             <a:extLst>
               <a:ext uri="{FF2B5EF4-FFF2-40B4-BE49-F238E27FC236}">
-                <a16:creationId xmlns:a16="http://schemas.microsoft.com/office/drawing/2014/main" id="{789C052A-D957-4881-A96E-D368897A0211}"/>
+                <a16:creationId xmlns:a16="http://schemas.microsoft.com/office/drawing/2014/main" id="{7FDBBD8F-4438-473A-ACCD-920B88DA7663}"/>
               </a:ext>
             </a:extLst>
           </p:cNvPr>
@@ -3980,7 +3980,7 @@
             <p:ph type="tbl" sz="quarter" idx="13"/>
             <p:extLst>
               <p:ext uri="{D42A27DB-BD31-4B8C-83A1-F6EECF244321}">
-                <p14:modId xmlns:p14="http://schemas.microsoft.com/office/powerpoint/2010/main" val="3446234518"/>
+                <p14:modId xmlns:p14="http://schemas.microsoft.com/office/powerpoint/2010/main" val="3071430381"/>
               </p:ext>
             </p:extLst>
           </p:nvPr>
@@ -3999,14 +3999,14 @@
                 <a:gridCol w="5040313">
                   <a:extLst>
                     <a:ext uri="{9D8B030D-6E8A-4147-A177-3AD203B41FA5}">
-                      <a16:colId xmlns:a16="http://schemas.microsoft.com/office/drawing/2014/main" val="1362034148"/>
+                      <a16:colId xmlns:a16="http://schemas.microsoft.com/office/drawing/2014/main" val="4160294097"/>
                     </a:ext>
                   </a:extLst>
                 </a:gridCol>
                 <a:gridCol w="5040313">
                   <a:extLst>
                     <a:ext uri="{9D8B030D-6E8A-4147-A177-3AD203B41FA5}">
-                      <a16:colId xmlns:a16="http://schemas.microsoft.com/office/drawing/2014/main" val="42129499"/>
+                      <a16:colId xmlns:a16="http://schemas.microsoft.com/office/drawing/2014/main" val="3845005585"/>
                     </a:ext>
                   </a:extLst>
                 </a:gridCol>
@@ -4040,7 +4040,7 @@
                 </a:tc>
                 <a:extLst>
                   <a:ext uri="{0D108BD9-81ED-4DB2-BD59-A6C34878D82A}">
-                    <a16:rowId xmlns:a16="http://schemas.microsoft.com/office/drawing/2014/main" val="2348724766"/>
+                    <a16:rowId xmlns:a16="http://schemas.microsoft.com/office/drawing/2014/main" val="4026858583"/>
                   </a:ext>
                 </a:extLst>
               </a:tr>
@@ -4073,7 +4073,7 @@
                 </a:tc>
                 <a:extLst>
                   <a:ext uri="{0D108BD9-81ED-4DB2-BD59-A6C34878D82A}">
-                    <a16:rowId xmlns:a16="http://schemas.microsoft.com/office/drawing/2014/main" val="2094355712"/>
+                    <a16:rowId xmlns:a16="http://schemas.microsoft.com/office/drawing/2014/main" val="2555291870"/>
                   </a:ext>
                 </a:extLst>
               </a:tr>
@@ -4106,7 +4106,7 @@
                 </a:tc>
                 <a:extLst>
                   <a:ext uri="{0D108BD9-81ED-4DB2-BD59-A6C34878D82A}">
-                    <a16:rowId xmlns:a16="http://schemas.microsoft.com/office/drawing/2014/main" val="3210188047"/>
+                    <a16:rowId xmlns:a16="http://schemas.microsoft.com/office/drawing/2014/main" val="823576752"/>
                   </a:ext>
                 </a:extLst>
               </a:tr>
@@ -4119,7 +4119,7 @@
           <p:cNvPr id="4" name="TextBox 3">
             <a:extLst>
               <a:ext uri="{FF2B5EF4-FFF2-40B4-BE49-F238E27FC236}">
-                <a16:creationId xmlns:a16="http://schemas.microsoft.com/office/drawing/2014/main" id="{1087B958-7F04-4B67-8D24-54F781A79FAE}"/>
+                <a16:creationId xmlns:a16="http://schemas.microsoft.com/office/drawing/2014/main" id="{4BE0F865-8BBD-4321-B532-9F64BA36D019}"/>
               </a:ext>
             </a:extLst>
           </p:cNvPr>
@@ -4146,7 +4146,7 @@
               <a:rPr lang="en-US" sz="2800">
                 <a:latin typeface="Calibri" panose="020F0502020204030204" pitchFamily="34" charset="0"/>
               </a:rPr>
-              <a:t>Accomplishments for Week of 05/08/20 - 05/15/20</a:t>
+              <a:t>Accomplishments for Week of 05/11/20 - 05/18/20</a:t>
             </a:r>
           </a:p>
         </p:txBody>
@@ -4220,7 +4220,7 @@
           <p:cNvPr id="2" name="Table Placeholder 1">
             <a:extLst>
               <a:ext uri="{FF2B5EF4-FFF2-40B4-BE49-F238E27FC236}">
-                <a16:creationId xmlns:a16="http://schemas.microsoft.com/office/drawing/2014/main" id="{C24F611A-C322-4293-9DB7-CD844B0D73D9}"/>
+                <a16:creationId xmlns:a16="http://schemas.microsoft.com/office/drawing/2014/main" id="{3A389789-F12A-4375-BA99-121AF57A2B86}"/>
               </a:ext>
             </a:extLst>
           </p:cNvPr>
@@ -4231,7 +4231,7 @@
             <p:ph type="tbl" sz="quarter" idx="13"/>
             <p:extLst>
               <p:ext uri="{D42A27DB-BD31-4B8C-83A1-F6EECF244321}">
-                <p14:modId xmlns:p14="http://schemas.microsoft.com/office/powerpoint/2010/main" val="674337500"/>
+                <p14:modId xmlns:p14="http://schemas.microsoft.com/office/powerpoint/2010/main" val="3967578165"/>
               </p:ext>
             </p:extLst>
           </p:nvPr>
@@ -4250,21 +4250,21 @@
                 <a:gridCol w="3360208">
                   <a:extLst>
                     <a:ext uri="{9D8B030D-6E8A-4147-A177-3AD203B41FA5}">
-                      <a16:colId xmlns:a16="http://schemas.microsoft.com/office/drawing/2014/main" val="2472565487"/>
+                      <a16:colId xmlns:a16="http://schemas.microsoft.com/office/drawing/2014/main" val="1717079206"/>
                     </a:ext>
                   </a:extLst>
                 </a:gridCol>
                 <a:gridCol w="3360208">
                   <a:extLst>
                     <a:ext uri="{9D8B030D-6E8A-4147-A177-3AD203B41FA5}">
-                      <a16:colId xmlns:a16="http://schemas.microsoft.com/office/drawing/2014/main" val="1533519077"/>
+                      <a16:colId xmlns:a16="http://schemas.microsoft.com/office/drawing/2014/main" val="1305565806"/>
                     </a:ext>
                   </a:extLst>
                 </a:gridCol>
                 <a:gridCol w="3360208">
                   <a:extLst>
                     <a:ext uri="{9D8B030D-6E8A-4147-A177-3AD203B41FA5}">
-                      <a16:colId xmlns:a16="http://schemas.microsoft.com/office/drawing/2014/main" val="1826044388"/>
+                      <a16:colId xmlns:a16="http://schemas.microsoft.com/office/drawing/2014/main" val="2347854147"/>
                     </a:ext>
                   </a:extLst>
                 </a:gridCol>
@@ -4311,7 +4311,7 @@
                 </a:tc>
                 <a:extLst>
                   <a:ext uri="{0D108BD9-81ED-4DB2-BD59-A6C34878D82A}">
-                    <a16:rowId xmlns:a16="http://schemas.microsoft.com/office/drawing/2014/main" val="811418766"/>
+                    <a16:rowId xmlns:a16="http://schemas.microsoft.com/office/drawing/2014/main" val="3249782464"/>
                   </a:ext>
                 </a:extLst>
               </a:tr>
@@ -4357,7 +4357,7 @@
                 </a:tc>
                 <a:extLst>
                   <a:ext uri="{0D108BD9-81ED-4DB2-BD59-A6C34878D82A}">
-                    <a16:rowId xmlns:a16="http://schemas.microsoft.com/office/drawing/2014/main" val="2532171232"/>
+                    <a16:rowId xmlns:a16="http://schemas.microsoft.com/office/drawing/2014/main" val="2948744114"/>
                   </a:ext>
                 </a:extLst>
               </a:tr>
@@ -4403,7 +4403,7 @@
                 </a:tc>
                 <a:extLst>
                   <a:ext uri="{0D108BD9-81ED-4DB2-BD59-A6C34878D82A}">
-                    <a16:rowId xmlns:a16="http://schemas.microsoft.com/office/drawing/2014/main" val="665103599"/>
+                    <a16:rowId xmlns:a16="http://schemas.microsoft.com/office/drawing/2014/main" val="800161080"/>
                   </a:ext>
                 </a:extLst>
               </a:tr>
@@ -4416,7 +4416,7 @@
           <p:cNvPr id="3" name="TextBox 2">
             <a:extLst>
               <a:ext uri="{FF2B5EF4-FFF2-40B4-BE49-F238E27FC236}">
-                <a16:creationId xmlns:a16="http://schemas.microsoft.com/office/drawing/2014/main" id="{8F397241-49BF-42CA-9959-E8DB7E8AA798}"/>
+                <a16:creationId xmlns:a16="http://schemas.microsoft.com/office/drawing/2014/main" id="{F0C5AFD4-C1E1-4885-8209-6D7C0AEF2ED4}"/>
               </a:ext>
             </a:extLst>
           </p:cNvPr>
@@ -4443,7 +4443,7 @@
               <a:rPr lang="en-US" sz="2800">
                 <a:latin typeface="Calibri" panose="020F0502020204030204" pitchFamily="34" charset="0"/>
               </a:rPr>
-              <a:t>Risk Register as of  - 05/15/20</a:t>
+              <a:t>Risk Register as of  - 05/18/20</a:t>
             </a:r>
           </a:p>
         </p:txBody>

--- a/Data/Output/Robotic Process Automation PMO.pptx
+++ b/Data/Output/Robotic Process Automation PMO.pptx
@@ -213,7 +213,7 @@
           <a:p>
             <a:fld id="{4AA46FC0-048C-40D8-958B-7775FA2711F6}" type="datetimeFigureOut">
               <a:rPr lang="en-US" smtClean="0"/>
-              <a:t>5/18/2020</a:t>
+              <a:t>5/19/2020</a:t>
             </a:fld>
             <a:endParaRPr lang="en-US"/>
           </a:p>
@@ -557,7 +557,7 @@
           <a:p>
             <a:fld id="{31D2A231-A7A4-4168-91EA-2B6389CA866E}" type="datetimeFigureOut">
               <a:rPr lang="en-US" smtClean="0"/>
-              <a:t>5/18/2020</a:t>
+              <a:t>5/19/2020</a:t>
             </a:fld>
             <a:endParaRPr lang="en-US"/>
           </a:p>
@@ -840,7 +840,7 @@
           <a:p>
             <a:fld id="{31D2A231-A7A4-4168-91EA-2B6389CA866E}" type="datetimeFigureOut">
               <a:rPr lang="en-US" smtClean="0"/>
-              <a:t>5/18/2020</a:t>
+              <a:t>5/19/2020</a:t>
             </a:fld>
             <a:endParaRPr lang="en-US"/>
           </a:p>
@@ -1048,7 +1048,7 @@
           <a:p>
             <a:fld id="{31D2A231-A7A4-4168-91EA-2B6389CA866E}" type="datetimeFigureOut">
               <a:rPr lang="en-US" smtClean="0"/>
-              <a:t>5/18/2020</a:t>
+              <a:t>5/19/2020</a:t>
             </a:fld>
             <a:endParaRPr lang="en-US"/>
           </a:p>
@@ -1598,7 +1598,7 @@
           <a:p>
             <a:fld id="{31D2A231-A7A4-4168-91EA-2B6389CA866E}" type="datetimeFigureOut">
               <a:rPr lang="en-US" smtClean="0"/>
-              <a:t>5/18/2020</a:t>
+              <a:t>5/19/2020</a:t>
             </a:fld>
             <a:endParaRPr lang="en-US"/>
           </a:p>
@@ -1863,7 +1863,7 @@
           <a:p>
             <a:fld id="{31D2A231-A7A4-4168-91EA-2B6389CA866E}" type="datetimeFigureOut">
               <a:rPr lang="en-US" smtClean="0"/>
-              <a:t>5/18/2020</a:t>
+              <a:t>5/19/2020</a:t>
             </a:fld>
             <a:endParaRPr lang="en-US"/>
           </a:p>
@@ -2275,7 +2275,7 @@
           <a:p>
             <a:fld id="{31D2A231-A7A4-4168-91EA-2B6389CA866E}" type="datetimeFigureOut">
               <a:rPr lang="en-US" smtClean="0"/>
-              <a:t>5/18/2020</a:t>
+              <a:t>5/19/2020</a:t>
             </a:fld>
             <a:endParaRPr lang="en-US"/>
           </a:p>
@@ -2416,7 +2416,7 @@
           <a:p>
             <a:fld id="{31D2A231-A7A4-4168-91EA-2B6389CA866E}" type="datetimeFigureOut">
               <a:rPr lang="en-US" smtClean="0"/>
-              <a:t>5/18/2020</a:t>
+              <a:t>5/19/2020</a:t>
             </a:fld>
             <a:endParaRPr lang="en-US"/>
           </a:p>
@@ -2529,7 +2529,7 @@
           <a:p>
             <a:fld id="{31D2A231-A7A4-4168-91EA-2B6389CA866E}" type="datetimeFigureOut">
               <a:rPr lang="en-US" smtClean="0"/>
-              <a:t>5/18/2020</a:t>
+              <a:t>5/19/2020</a:t>
             </a:fld>
             <a:endParaRPr lang="en-US"/>
           </a:p>
@@ -2840,7 +2840,7 @@
           <a:p>
             <a:fld id="{31D2A231-A7A4-4168-91EA-2B6389CA866E}" type="datetimeFigureOut">
               <a:rPr lang="en-US" smtClean="0"/>
-              <a:t>5/18/2020</a:t>
+              <a:t>5/19/2020</a:t>
             </a:fld>
             <a:endParaRPr lang="en-US"/>
           </a:p>
@@ -3128,7 +3128,7 @@
           <a:p>
             <a:fld id="{31D2A231-A7A4-4168-91EA-2B6389CA866E}" type="datetimeFigureOut">
               <a:rPr lang="en-US" smtClean="0"/>
-              <a:t>5/18/2020</a:t>
+              <a:t>5/19/2020</a:t>
             </a:fld>
             <a:endParaRPr lang="en-US"/>
           </a:p>
@@ -3369,7 +3369,7 @@
           <a:p>
             <a:fld id="{31D2A231-A7A4-4168-91EA-2B6389CA866E}" type="datetimeFigureOut">
               <a:rPr lang="en-US" smtClean="0"/>
-              <a:t>5/18/2020</a:t>
+              <a:t>5/19/2020</a:t>
             </a:fld>
             <a:endParaRPr lang="en-US"/>
           </a:p>
@@ -3868,7 +3868,7 @@
           <p:cNvPr id="3" name="TextBox 2">
             <a:extLst>
               <a:ext uri="{FF2B5EF4-FFF2-40B4-BE49-F238E27FC236}">
-                <a16:creationId xmlns:a16="http://schemas.microsoft.com/office/drawing/2014/main" id="{892033A0-00E2-4DB7-8972-499EC17FAC2E}"/>
+                <a16:creationId xmlns:a16="http://schemas.microsoft.com/office/drawing/2014/main" id="{BA58B07F-C154-40F0-8C07-A865970E7B75}"/>
               </a:ext>
             </a:extLst>
           </p:cNvPr>
@@ -3895,7 +3895,7 @@
               <a:rPr lang="en-US" sz="2800">
                 <a:latin typeface="Calibri" panose="020F0502020204030204" pitchFamily="34" charset="0"/>
               </a:rPr>
-              <a:t>Prepared on  - 05/18/20</a:t>
+              <a:t>Prepared on  - 05/19/20</a:t>
             </a:r>
           </a:p>
         </p:txBody>
@@ -3969,7 +3969,7 @@
           <p:cNvPr id="3" name="Table Placeholder 2">
             <a:extLst>
               <a:ext uri="{FF2B5EF4-FFF2-40B4-BE49-F238E27FC236}">
-                <a16:creationId xmlns:a16="http://schemas.microsoft.com/office/drawing/2014/main" id="{7FDBBD8F-4438-473A-ACCD-920B88DA7663}"/>
+                <a16:creationId xmlns:a16="http://schemas.microsoft.com/office/drawing/2014/main" id="{2E78C6A5-9605-4303-9F45-F52223FA5A5A}"/>
               </a:ext>
             </a:extLst>
           </p:cNvPr>
@@ -3980,7 +3980,7 @@
             <p:ph type="tbl" sz="quarter" idx="13"/>
             <p:extLst>
               <p:ext uri="{D42A27DB-BD31-4B8C-83A1-F6EECF244321}">
-                <p14:modId xmlns:p14="http://schemas.microsoft.com/office/powerpoint/2010/main" val="3071430381"/>
+                <p14:modId xmlns:p14="http://schemas.microsoft.com/office/powerpoint/2010/main" val="758222994"/>
               </p:ext>
             </p:extLst>
           </p:nvPr>
@@ -3999,14 +3999,14 @@
                 <a:gridCol w="5040313">
                   <a:extLst>
                     <a:ext uri="{9D8B030D-6E8A-4147-A177-3AD203B41FA5}">
-                      <a16:colId xmlns:a16="http://schemas.microsoft.com/office/drawing/2014/main" val="4160294097"/>
+                      <a16:colId xmlns:a16="http://schemas.microsoft.com/office/drawing/2014/main" val="2747770030"/>
                     </a:ext>
                   </a:extLst>
                 </a:gridCol>
                 <a:gridCol w="5040313">
                   <a:extLst>
                     <a:ext uri="{9D8B030D-6E8A-4147-A177-3AD203B41FA5}">
-                      <a16:colId xmlns:a16="http://schemas.microsoft.com/office/drawing/2014/main" val="3845005585"/>
+                      <a16:colId xmlns:a16="http://schemas.microsoft.com/office/drawing/2014/main" val="2452530159"/>
                     </a:ext>
                   </a:extLst>
                 </a:gridCol>
@@ -4040,7 +4040,7 @@
                 </a:tc>
                 <a:extLst>
                   <a:ext uri="{0D108BD9-81ED-4DB2-BD59-A6C34878D82A}">
-                    <a16:rowId xmlns:a16="http://schemas.microsoft.com/office/drawing/2014/main" val="4026858583"/>
+                    <a16:rowId xmlns:a16="http://schemas.microsoft.com/office/drawing/2014/main" val="1737684824"/>
                   </a:ext>
                 </a:extLst>
               </a:tr>
@@ -4073,7 +4073,7 @@
                 </a:tc>
                 <a:extLst>
                   <a:ext uri="{0D108BD9-81ED-4DB2-BD59-A6C34878D82A}">
-                    <a16:rowId xmlns:a16="http://schemas.microsoft.com/office/drawing/2014/main" val="2555291870"/>
+                    <a16:rowId xmlns:a16="http://schemas.microsoft.com/office/drawing/2014/main" val="3045666924"/>
                   </a:ext>
                 </a:extLst>
               </a:tr>
@@ -4106,7 +4106,7 @@
                 </a:tc>
                 <a:extLst>
                   <a:ext uri="{0D108BD9-81ED-4DB2-BD59-A6C34878D82A}">
-                    <a16:rowId xmlns:a16="http://schemas.microsoft.com/office/drawing/2014/main" val="823576752"/>
+                    <a16:rowId xmlns:a16="http://schemas.microsoft.com/office/drawing/2014/main" val="2842406944"/>
                   </a:ext>
                 </a:extLst>
               </a:tr>
@@ -4119,7 +4119,7 @@
           <p:cNvPr id="4" name="TextBox 3">
             <a:extLst>
               <a:ext uri="{FF2B5EF4-FFF2-40B4-BE49-F238E27FC236}">
-                <a16:creationId xmlns:a16="http://schemas.microsoft.com/office/drawing/2014/main" id="{4BE0F865-8BBD-4321-B532-9F64BA36D019}"/>
+                <a16:creationId xmlns:a16="http://schemas.microsoft.com/office/drawing/2014/main" id="{EF18E6E9-3659-47EA-8EF3-C3627F1FF287}"/>
               </a:ext>
             </a:extLst>
           </p:cNvPr>
@@ -4146,7 +4146,7 @@
               <a:rPr lang="en-US" sz="2800">
                 <a:latin typeface="Calibri" panose="020F0502020204030204" pitchFamily="34" charset="0"/>
               </a:rPr>
-              <a:t>Accomplishments for Week of 05/11/20 - 05/18/20</a:t>
+              <a:t>Accomplishments for Week of 05/12/20 - 05/19/20</a:t>
             </a:r>
           </a:p>
         </p:txBody>
@@ -4220,7 +4220,7 @@
           <p:cNvPr id="2" name="Table Placeholder 1">
             <a:extLst>
               <a:ext uri="{FF2B5EF4-FFF2-40B4-BE49-F238E27FC236}">
-                <a16:creationId xmlns:a16="http://schemas.microsoft.com/office/drawing/2014/main" id="{3A389789-F12A-4375-BA99-121AF57A2B86}"/>
+                <a16:creationId xmlns:a16="http://schemas.microsoft.com/office/drawing/2014/main" id="{FA0439FD-DA16-41E8-A669-6842543EBDA9}"/>
               </a:ext>
             </a:extLst>
           </p:cNvPr>
@@ -4231,7 +4231,7 @@
             <p:ph type="tbl" sz="quarter" idx="13"/>
             <p:extLst>
               <p:ext uri="{D42A27DB-BD31-4B8C-83A1-F6EECF244321}">
-                <p14:modId xmlns:p14="http://schemas.microsoft.com/office/powerpoint/2010/main" val="3967578165"/>
+                <p14:modId xmlns:p14="http://schemas.microsoft.com/office/powerpoint/2010/main" val="2284951169"/>
               </p:ext>
             </p:extLst>
           </p:nvPr>
@@ -4250,21 +4250,21 @@
                 <a:gridCol w="3360208">
                   <a:extLst>
                     <a:ext uri="{9D8B030D-6E8A-4147-A177-3AD203B41FA5}">
-                      <a16:colId xmlns:a16="http://schemas.microsoft.com/office/drawing/2014/main" val="1717079206"/>
+                      <a16:colId xmlns:a16="http://schemas.microsoft.com/office/drawing/2014/main" val="1251423113"/>
                     </a:ext>
                   </a:extLst>
                 </a:gridCol>
                 <a:gridCol w="3360208">
                   <a:extLst>
                     <a:ext uri="{9D8B030D-6E8A-4147-A177-3AD203B41FA5}">
-                      <a16:colId xmlns:a16="http://schemas.microsoft.com/office/drawing/2014/main" val="1305565806"/>
+                      <a16:colId xmlns:a16="http://schemas.microsoft.com/office/drawing/2014/main" val="2133673424"/>
                     </a:ext>
                   </a:extLst>
                 </a:gridCol>
                 <a:gridCol w="3360208">
                   <a:extLst>
                     <a:ext uri="{9D8B030D-6E8A-4147-A177-3AD203B41FA5}">
-                      <a16:colId xmlns:a16="http://schemas.microsoft.com/office/drawing/2014/main" val="2347854147"/>
+                      <a16:colId xmlns:a16="http://schemas.microsoft.com/office/drawing/2014/main" val="1948167439"/>
                     </a:ext>
                   </a:extLst>
                 </a:gridCol>
@@ -4311,7 +4311,7 @@
                 </a:tc>
                 <a:extLst>
                   <a:ext uri="{0D108BD9-81ED-4DB2-BD59-A6C34878D82A}">
-                    <a16:rowId xmlns:a16="http://schemas.microsoft.com/office/drawing/2014/main" val="3249782464"/>
+                    <a16:rowId xmlns:a16="http://schemas.microsoft.com/office/drawing/2014/main" val="4080355751"/>
                   </a:ext>
                 </a:extLst>
               </a:tr>
@@ -4357,7 +4357,7 @@
                 </a:tc>
                 <a:extLst>
                   <a:ext uri="{0D108BD9-81ED-4DB2-BD59-A6C34878D82A}">
-                    <a16:rowId xmlns:a16="http://schemas.microsoft.com/office/drawing/2014/main" val="2948744114"/>
+                    <a16:rowId xmlns:a16="http://schemas.microsoft.com/office/drawing/2014/main" val="2477040526"/>
                   </a:ext>
                 </a:extLst>
               </a:tr>
@@ -4403,7 +4403,7 @@
                 </a:tc>
                 <a:extLst>
                   <a:ext uri="{0D108BD9-81ED-4DB2-BD59-A6C34878D82A}">
-                    <a16:rowId xmlns:a16="http://schemas.microsoft.com/office/drawing/2014/main" val="800161080"/>
+                    <a16:rowId xmlns:a16="http://schemas.microsoft.com/office/drawing/2014/main" val="2580351142"/>
                   </a:ext>
                 </a:extLst>
               </a:tr>
@@ -4416,7 +4416,7 @@
           <p:cNvPr id="3" name="TextBox 2">
             <a:extLst>
               <a:ext uri="{FF2B5EF4-FFF2-40B4-BE49-F238E27FC236}">
-                <a16:creationId xmlns:a16="http://schemas.microsoft.com/office/drawing/2014/main" id="{F0C5AFD4-C1E1-4885-8209-6D7C0AEF2ED4}"/>
+                <a16:creationId xmlns:a16="http://schemas.microsoft.com/office/drawing/2014/main" id="{E5F45E24-45DE-4439-ADB2-41841A93503A}"/>
               </a:ext>
             </a:extLst>
           </p:cNvPr>
@@ -4443,7 +4443,7 @@
               <a:rPr lang="en-US" sz="2800">
                 <a:latin typeface="Calibri" panose="020F0502020204030204" pitchFamily="34" charset="0"/>
               </a:rPr>
-              <a:t>Risk Register as of  - 05/18/20</a:t>
+              <a:t>Risk Register as of  - 05/19/20</a:t>
             </a:r>
           </a:p>
         </p:txBody>

--- a/Data/Output/Robotic Process Automation PMO.pptx
+++ b/Data/Output/Robotic Process Automation PMO.pptx
@@ -3868,7 +3868,7 @@
           <p:cNvPr id="3" name="TextBox 2">
             <a:extLst>
               <a:ext uri="{FF2B5EF4-FFF2-40B4-BE49-F238E27FC236}">
-                <a16:creationId xmlns:a16="http://schemas.microsoft.com/office/drawing/2014/main" id="{25E6C90F-C084-410C-8ABD-AC585E47F8B0}"/>
+                <a16:creationId xmlns:a16="http://schemas.microsoft.com/office/drawing/2014/main" id="{C540DBEF-B63B-4887-BD41-E69588D12B4D}"/>
               </a:ext>
             </a:extLst>
           </p:cNvPr>
@@ -3969,7 +3969,7 @@
           <p:cNvPr id="3" name="Table Placeholder 2">
             <a:extLst>
               <a:ext uri="{FF2B5EF4-FFF2-40B4-BE49-F238E27FC236}">
-                <a16:creationId xmlns:a16="http://schemas.microsoft.com/office/drawing/2014/main" id="{027CDD38-7349-41FA-8D0B-DE5A196EBACB}"/>
+                <a16:creationId xmlns:a16="http://schemas.microsoft.com/office/drawing/2014/main" id="{F2074A19-C701-42BB-9B53-32B00B259C99}"/>
               </a:ext>
             </a:extLst>
           </p:cNvPr>
@@ -3980,7 +3980,7 @@
             <p:ph type="tbl" sz="quarter" idx="13"/>
             <p:extLst>
               <p:ext uri="{D42A27DB-BD31-4B8C-83A1-F6EECF244321}">
-                <p14:modId xmlns:p14="http://schemas.microsoft.com/office/powerpoint/2010/main" val="672040501"/>
+                <p14:modId xmlns:p14="http://schemas.microsoft.com/office/powerpoint/2010/main" val="4254168239"/>
               </p:ext>
             </p:extLst>
           </p:nvPr>
@@ -3999,14 +3999,14 @@
                 <a:gridCol w="5040313">
                   <a:extLst>
                     <a:ext uri="{9D8B030D-6E8A-4147-A177-3AD203B41FA5}">
-                      <a16:colId xmlns:a16="http://schemas.microsoft.com/office/drawing/2014/main" val="2700466602"/>
+                      <a16:colId xmlns:a16="http://schemas.microsoft.com/office/drawing/2014/main" val="3468104084"/>
                     </a:ext>
                   </a:extLst>
                 </a:gridCol>
                 <a:gridCol w="5040313">
                   <a:extLst>
                     <a:ext uri="{9D8B030D-6E8A-4147-A177-3AD203B41FA5}">
-                      <a16:colId xmlns:a16="http://schemas.microsoft.com/office/drawing/2014/main" val="2982343457"/>
+                      <a16:colId xmlns:a16="http://schemas.microsoft.com/office/drawing/2014/main" val="1668649086"/>
                     </a:ext>
                   </a:extLst>
                 </a:gridCol>
@@ -4040,7 +4040,7 @@
                 </a:tc>
                 <a:extLst>
                   <a:ext uri="{0D108BD9-81ED-4DB2-BD59-A6C34878D82A}">
-                    <a16:rowId xmlns:a16="http://schemas.microsoft.com/office/drawing/2014/main" val="247840495"/>
+                    <a16:rowId xmlns:a16="http://schemas.microsoft.com/office/drawing/2014/main" val="1181918249"/>
                   </a:ext>
                 </a:extLst>
               </a:tr>
@@ -4073,7 +4073,7 @@
                 </a:tc>
                 <a:extLst>
                   <a:ext uri="{0D108BD9-81ED-4DB2-BD59-A6C34878D82A}">
-                    <a16:rowId xmlns:a16="http://schemas.microsoft.com/office/drawing/2014/main" val="1084646597"/>
+                    <a16:rowId xmlns:a16="http://schemas.microsoft.com/office/drawing/2014/main" val="3885566199"/>
                   </a:ext>
                 </a:extLst>
               </a:tr>
@@ -4106,7 +4106,7 @@
                 </a:tc>
                 <a:extLst>
                   <a:ext uri="{0D108BD9-81ED-4DB2-BD59-A6C34878D82A}">
-                    <a16:rowId xmlns:a16="http://schemas.microsoft.com/office/drawing/2014/main" val="3284331429"/>
+                    <a16:rowId xmlns:a16="http://schemas.microsoft.com/office/drawing/2014/main" val="717048760"/>
                   </a:ext>
                 </a:extLst>
               </a:tr>
@@ -4119,7 +4119,7 @@
           <p:cNvPr id="4" name="TextBox 3">
             <a:extLst>
               <a:ext uri="{FF2B5EF4-FFF2-40B4-BE49-F238E27FC236}">
-                <a16:creationId xmlns:a16="http://schemas.microsoft.com/office/drawing/2014/main" id="{C2DBCB1D-322D-4D4A-899B-C01895F30DF5}"/>
+                <a16:creationId xmlns:a16="http://schemas.microsoft.com/office/drawing/2014/main" id="{6E76F993-B019-4873-ABFF-B22B7B634F62}"/>
               </a:ext>
             </a:extLst>
           </p:cNvPr>
@@ -4215,30 +4215,208 @@
           </a:p>
         </p:txBody>
       </p:sp>
-      <p:sp>
-        <p:nvSpPr>
-          <p:cNvPr id="5" name="Table Placeholder 4">
-            <a:extLst>
-              <a:ext uri="{FF2B5EF4-FFF2-40B4-BE49-F238E27FC236}">
-                <a16:creationId xmlns:a16="http://schemas.microsoft.com/office/drawing/2014/main" id="{7C478F99-2C5A-4FB0-969D-25AF82E52757}"/>
-              </a:ext>
-            </a:extLst>
-          </p:cNvPr>
-          <p:cNvSpPr>
-            <a:spLocks noGrp="1"/>
-          </p:cNvSpPr>
+      <p:graphicFrame>
+        <p:nvGraphicFramePr>
+          <p:cNvPr id="2" name="Table Placeholder 1">
+            <a:extLst>
+              <a:ext uri="{FF2B5EF4-FFF2-40B4-BE49-F238E27FC236}">
+                <a16:creationId xmlns:a16="http://schemas.microsoft.com/office/drawing/2014/main" id="{0303773D-070B-4FCF-8C6E-562D1ED7B153}"/>
+              </a:ext>
+            </a:extLst>
+          </p:cNvPr>
+          <p:cNvGraphicFramePr>
+            <a:graphicFrameLocks noGrp="1"/>
+          </p:cNvGraphicFramePr>
           <p:nvPr>
             <p:ph type="tbl" sz="quarter" idx="13"/>
-          </p:nvPr>
-        </p:nvSpPr>
-        <p:spPr/>
-      </p:sp>
-      <p:sp>
-        <p:nvSpPr>
-          <p:cNvPr id="2" name="TextBox 1">
-            <a:extLst>
-              <a:ext uri="{FF2B5EF4-FFF2-40B4-BE49-F238E27FC236}">
-                <a16:creationId xmlns:a16="http://schemas.microsoft.com/office/drawing/2014/main" id="{7E49380B-318C-4AB3-8873-269278028786}"/>
+            <p:extLst>
+              <p:ext uri="{D42A27DB-BD31-4B8C-83A1-F6EECF244321}">
+                <p14:modId xmlns:p14="http://schemas.microsoft.com/office/powerpoint/2010/main" val="2013364557"/>
+              </p:ext>
+            </p:extLst>
+          </p:nvPr>
+        </p:nvGraphicFramePr>
+        <p:xfrm>
+          <a:off x="1055688" y="2241550"/>
+          <a:ext cx="10080625" cy="3746500"/>
+        </p:xfrm>
+        <a:graphic>
+          <a:graphicData uri="http://schemas.openxmlformats.org/drawingml/2006/table">
+            <a:tbl>
+              <a:tblPr firstRow="1" bandRow="1">
+                <a:tableStyleId>{5C22544A-7EE6-4342-B048-85BDC9FD1C3A}</a:tableStyleId>
+              </a:tblPr>
+              <a:tblGrid>
+                <a:gridCol w="3360208">
+                  <a:extLst>
+                    <a:ext uri="{9D8B030D-6E8A-4147-A177-3AD203B41FA5}">
+                      <a16:colId xmlns:a16="http://schemas.microsoft.com/office/drawing/2014/main" val="2565698457"/>
+                    </a:ext>
+                  </a:extLst>
+                </a:gridCol>
+                <a:gridCol w="3360208">
+                  <a:extLst>
+                    <a:ext uri="{9D8B030D-6E8A-4147-A177-3AD203B41FA5}">
+                      <a16:colId xmlns:a16="http://schemas.microsoft.com/office/drawing/2014/main" val="1110650861"/>
+                    </a:ext>
+                  </a:extLst>
+                </a:gridCol>
+                <a:gridCol w="3360208">
+                  <a:extLst>
+                    <a:ext uri="{9D8B030D-6E8A-4147-A177-3AD203B41FA5}">
+                      <a16:colId xmlns:a16="http://schemas.microsoft.com/office/drawing/2014/main" val="355195319"/>
+                    </a:ext>
+                  </a:extLst>
+                </a:gridCol>
+              </a:tblGrid>
+              <a:tr h="370840">
+                <a:tc>
+                  <a:txBody>
+                    <a:bodyPr/>
+                    <a:lstStyle/>
+                    <a:p>
+                      <a:r>
+                        <a:rPr lang="en-US"/>
+                        <a:t>Risk Description</a:t>
+                      </a:r>
+                    </a:p>
+                  </a:txBody>
+                  <a:tcPr/>
+                </a:tc>
+                <a:tc>
+                  <a:txBody>
+                    <a:bodyPr/>
+                    <a:lstStyle/>
+                    <a:p>
+                      <a:r>
+                        <a:rPr lang="en-US"/>
+                        <a:t>Severity</a:t>
+                      </a:r>
+                    </a:p>
+                  </a:txBody>
+                  <a:tcPr/>
+                </a:tc>
+                <a:tc>
+                  <a:txBody>
+                    <a:bodyPr/>
+                    <a:lstStyle/>
+                    <a:p>
+                      <a:r>
+                        <a:rPr lang="en-US"/>
+                        <a:t>Owner</a:t>
+                      </a:r>
+                    </a:p>
+                  </a:txBody>
+                  <a:tcPr/>
+                </a:tc>
+                <a:extLst>
+                  <a:ext uri="{0D108BD9-81ED-4DB2-BD59-A6C34878D82A}">
+                    <a16:rowId xmlns:a16="http://schemas.microsoft.com/office/drawing/2014/main" val="343855178"/>
+                  </a:ext>
+                </a:extLst>
+              </a:tr>
+              <a:tr h="370840">
+                <a:tc>
+                  <a:txBody>
+                    <a:bodyPr/>
+                    <a:lstStyle/>
+                    <a:p>
+                      <a:r>
+                        <a:rPr lang="en-US"/>
+                        <a:t>If something happens, then something bad will happen to the program</a:t>
+                      </a:r>
+                    </a:p>
+                  </a:txBody>
+                  <a:tcPr/>
+                </a:tc>
+                <a:tc>
+                  <a:txBody>
+                    <a:bodyPr/>
+                    <a:lstStyle/>
+                    <a:p>
+                      <a:r>
+                        <a:rPr lang="en-US"/>
+                        <a:t>High</a:t>
+                      </a:r>
+                    </a:p>
+                  </a:txBody>
+                  <a:tcPr/>
+                </a:tc>
+                <a:tc>
+                  <a:txBody>
+                    <a:bodyPr/>
+                    <a:lstStyle/>
+                    <a:p>
+                      <a:r>
+                        <a:rPr lang="en-US"/>
+                        <a:t>Elevate Bot</a:t>
+                      </a:r>
+                    </a:p>
+                  </a:txBody>
+                  <a:tcPr/>
+                </a:tc>
+                <a:extLst>
+                  <a:ext uri="{0D108BD9-81ED-4DB2-BD59-A6C34878D82A}">
+                    <a16:rowId xmlns:a16="http://schemas.microsoft.com/office/drawing/2014/main" val="52090590"/>
+                  </a:ext>
+                </a:extLst>
+              </a:tr>
+              <a:tr h="370840">
+                <a:tc>
+                  <a:txBody>
+                    <a:bodyPr/>
+                    <a:lstStyle/>
+                    <a:p>
+                      <a:r>
+                        <a:rPr lang="en-US"/>
+                        <a:t>If the bot gets a mind of its own, then we will need to kill it</a:t>
+                      </a:r>
+                    </a:p>
+                  </a:txBody>
+                  <a:tcPr/>
+                </a:tc>
+                <a:tc>
+                  <a:txBody>
+                    <a:bodyPr/>
+                    <a:lstStyle/>
+                    <a:p>
+                      <a:r>
+                        <a:rPr lang="en-US"/>
+                        <a:t>Medium</a:t>
+                      </a:r>
+                    </a:p>
+                  </a:txBody>
+                  <a:tcPr/>
+                </a:tc>
+                <a:tc>
+                  <a:txBody>
+                    <a:bodyPr/>
+                    <a:lstStyle/>
+                    <a:p>
+                      <a:r>
+                        <a:rPr lang="en-US"/>
+                        <a:t>Elevate Bot</a:t>
+                      </a:r>
+                    </a:p>
+                  </a:txBody>
+                  <a:tcPr/>
+                </a:tc>
+                <a:extLst>
+                  <a:ext uri="{0D108BD9-81ED-4DB2-BD59-A6C34878D82A}">
+                    <a16:rowId xmlns:a16="http://schemas.microsoft.com/office/drawing/2014/main" val="3933712201"/>
+                  </a:ext>
+                </a:extLst>
+              </a:tr>
+            </a:tbl>
+          </a:graphicData>
+        </a:graphic>
+      </p:graphicFrame>
+      <p:sp>
+        <p:nvSpPr>
+          <p:cNvPr id="3" name="TextBox 2">
+            <a:extLst>
+              <a:ext uri="{FF2B5EF4-FFF2-40B4-BE49-F238E27FC236}">
+                <a16:creationId xmlns:a16="http://schemas.microsoft.com/office/drawing/2014/main" id="{2E7D2E09-3D1C-457A-A124-0949748B3CFE}"/>
               </a:ext>
             </a:extLst>
           </p:cNvPr>

--- a/Data/Output/Robotic Process Automation PMO.pptx
+++ b/Data/Output/Robotic Process Automation PMO.pptx
@@ -213,7 +213,7 @@
           <a:p>
             <a:fld id="{4AA46FC0-048C-40D8-958B-7775FA2711F6}" type="datetimeFigureOut">
               <a:rPr lang="en-US" smtClean="0"/>
-              <a:t>5/19/2020</a:t>
+              <a:t>5/22/2020</a:t>
             </a:fld>
             <a:endParaRPr lang="en-US"/>
           </a:p>
@@ -557,7 +557,7 @@
           <a:p>
             <a:fld id="{31D2A231-A7A4-4168-91EA-2B6389CA866E}" type="datetimeFigureOut">
               <a:rPr lang="en-US" smtClean="0"/>
-              <a:t>5/19/2020</a:t>
+              <a:t>5/22/2020</a:t>
             </a:fld>
             <a:endParaRPr lang="en-US"/>
           </a:p>
@@ -840,7 +840,7 @@
           <a:p>
             <a:fld id="{31D2A231-A7A4-4168-91EA-2B6389CA866E}" type="datetimeFigureOut">
               <a:rPr lang="en-US" smtClean="0"/>
-              <a:t>5/19/2020</a:t>
+              <a:t>5/22/2020</a:t>
             </a:fld>
             <a:endParaRPr lang="en-US"/>
           </a:p>
@@ -1048,7 +1048,7 @@
           <a:p>
             <a:fld id="{31D2A231-A7A4-4168-91EA-2B6389CA866E}" type="datetimeFigureOut">
               <a:rPr lang="en-US" smtClean="0"/>
-              <a:t>5/19/2020</a:t>
+              <a:t>5/22/2020</a:t>
             </a:fld>
             <a:endParaRPr lang="en-US"/>
           </a:p>
@@ -1598,7 +1598,7 @@
           <a:p>
             <a:fld id="{31D2A231-A7A4-4168-91EA-2B6389CA866E}" type="datetimeFigureOut">
               <a:rPr lang="en-US" smtClean="0"/>
-              <a:t>5/19/2020</a:t>
+              <a:t>5/22/2020</a:t>
             </a:fld>
             <a:endParaRPr lang="en-US"/>
           </a:p>
@@ -1863,7 +1863,7 @@
           <a:p>
             <a:fld id="{31D2A231-A7A4-4168-91EA-2B6389CA866E}" type="datetimeFigureOut">
               <a:rPr lang="en-US" smtClean="0"/>
-              <a:t>5/19/2020</a:t>
+              <a:t>5/22/2020</a:t>
             </a:fld>
             <a:endParaRPr lang="en-US"/>
           </a:p>
@@ -2275,7 +2275,7 @@
           <a:p>
             <a:fld id="{31D2A231-A7A4-4168-91EA-2B6389CA866E}" type="datetimeFigureOut">
               <a:rPr lang="en-US" smtClean="0"/>
-              <a:t>5/19/2020</a:t>
+              <a:t>5/22/2020</a:t>
             </a:fld>
             <a:endParaRPr lang="en-US"/>
           </a:p>
@@ -2416,7 +2416,7 @@
           <a:p>
             <a:fld id="{31D2A231-A7A4-4168-91EA-2B6389CA866E}" type="datetimeFigureOut">
               <a:rPr lang="en-US" smtClean="0"/>
-              <a:t>5/19/2020</a:t>
+              <a:t>5/22/2020</a:t>
             </a:fld>
             <a:endParaRPr lang="en-US"/>
           </a:p>
@@ -2529,7 +2529,7 @@
           <a:p>
             <a:fld id="{31D2A231-A7A4-4168-91EA-2B6389CA866E}" type="datetimeFigureOut">
               <a:rPr lang="en-US" smtClean="0"/>
-              <a:t>5/19/2020</a:t>
+              <a:t>5/22/2020</a:t>
             </a:fld>
             <a:endParaRPr lang="en-US"/>
           </a:p>
@@ -2840,7 +2840,7 @@
           <a:p>
             <a:fld id="{31D2A231-A7A4-4168-91EA-2B6389CA866E}" type="datetimeFigureOut">
               <a:rPr lang="en-US" smtClean="0"/>
-              <a:t>5/19/2020</a:t>
+              <a:t>5/22/2020</a:t>
             </a:fld>
             <a:endParaRPr lang="en-US"/>
           </a:p>
@@ -3128,7 +3128,7 @@
           <a:p>
             <a:fld id="{31D2A231-A7A4-4168-91EA-2B6389CA866E}" type="datetimeFigureOut">
               <a:rPr lang="en-US" smtClean="0"/>
-              <a:t>5/19/2020</a:t>
+              <a:t>5/22/2020</a:t>
             </a:fld>
             <a:endParaRPr lang="en-US"/>
           </a:p>
@@ -3369,7 +3369,7 @@
           <a:p>
             <a:fld id="{31D2A231-A7A4-4168-91EA-2B6389CA866E}" type="datetimeFigureOut">
               <a:rPr lang="en-US" smtClean="0"/>
-              <a:t>5/19/2020</a:t>
+              <a:t>5/22/2020</a:t>
             </a:fld>
             <a:endParaRPr lang="en-US"/>
           </a:p>
@@ -3868,7 +3868,7 @@
           <p:cNvPr id="3" name="TextBox 2">
             <a:extLst>
               <a:ext uri="{FF2B5EF4-FFF2-40B4-BE49-F238E27FC236}">
-                <a16:creationId xmlns:a16="http://schemas.microsoft.com/office/drawing/2014/main" id="{BA58B07F-C154-40F0-8C07-A865970E7B75}"/>
+                <a16:creationId xmlns:a16="http://schemas.microsoft.com/office/drawing/2014/main" id="{25E6C90F-C084-410C-8ABD-AC585E47F8B0}"/>
               </a:ext>
             </a:extLst>
           </p:cNvPr>
@@ -3895,7 +3895,7 @@
               <a:rPr lang="en-US" sz="2800">
                 <a:latin typeface="Calibri" panose="020F0502020204030204" pitchFamily="34" charset="0"/>
               </a:rPr>
-              <a:t>Prepared on  - 05/19/20</a:t>
+              <a:t>Prepared on  - 05/22/20</a:t>
             </a:r>
           </a:p>
         </p:txBody>
@@ -3969,7 +3969,7 @@
           <p:cNvPr id="3" name="Table Placeholder 2">
             <a:extLst>
               <a:ext uri="{FF2B5EF4-FFF2-40B4-BE49-F238E27FC236}">
-                <a16:creationId xmlns:a16="http://schemas.microsoft.com/office/drawing/2014/main" id="{2E78C6A5-9605-4303-9F45-F52223FA5A5A}"/>
+                <a16:creationId xmlns:a16="http://schemas.microsoft.com/office/drawing/2014/main" id="{027CDD38-7349-41FA-8D0B-DE5A196EBACB}"/>
               </a:ext>
             </a:extLst>
           </p:cNvPr>
@@ -3980,7 +3980,7 @@
             <p:ph type="tbl" sz="quarter" idx="13"/>
             <p:extLst>
               <p:ext uri="{D42A27DB-BD31-4B8C-83A1-F6EECF244321}">
-                <p14:modId xmlns:p14="http://schemas.microsoft.com/office/powerpoint/2010/main" val="758222994"/>
+                <p14:modId xmlns:p14="http://schemas.microsoft.com/office/powerpoint/2010/main" val="672040501"/>
               </p:ext>
             </p:extLst>
           </p:nvPr>
@@ -3999,14 +3999,14 @@
                 <a:gridCol w="5040313">
                   <a:extLst>
                     <a:ext uri="{9D8B030D-6E8A-4147-A177-3AD203B41FA5}">
-                      <a16:colId xmlns:a16="http://schemas.microsoft.com/office/drawing/2014/main" val="2747770030"/>
+                      <a16:colId xmlns:a16="http://schemas.microsoft.com/office/drawing/2014/main" val="2700466602"/>
                     </a:ext>
                   </a:extLst>
                 </a:gridCol>
                 <a:gridCol w="5040313">
                   <a:extLst>
                     <a:ext uri="{9D8B030D-6E8A-4147-A177-3AD203B41FA5}">
-                      <a16:colId xmlns:a16="http://schemas.microsoft.com/office/drawing/2014/main" val="2452530159"/>
+                      <a16:colId xmlns:a16="http://schemas.microsoft.com/office/drawing/2014/main" val="2982343457"/>
                     </a:ext>
                   </a:extLst>
                 </a:gridCol>
@@ -4040,7 +4040,7 @@
                 </a:tc>
                 <a:extLst>
                   <a:ext uri="{0D108BD9-81ED-4DB2-BD59-A6C34878D82A}">
-                    <a16:rowId xmlns:a16="http://schemas.microsoft.com/office/drawing/2014/main" val="1737684824"/>
+                    <a16:rowId xmlns:a16="http://schemas.microsoft.com/office/drawing/2014/main" val="247840495"/>
                   </a:ext>
                 </a:extLst>
               </a:tr>
@@ -4073,7 +4073,7 @@
                 </a:tc>
                 <a:extLst>
                   <a:ext uri="{0D108BD9-81ED-4DB2-BD59-A6C34878D82A}">
-                    <a16:rowId xmlns:a16="http://schemas.microsoft.com/office/drawing/2014/main" val="3045666924"/>
+                    <a16:rowId xmlns:a16="http://schemas.microsoft.com/office/drawing/2014/main" val="1084646597"/>
                   </a:ext>
                 </a:extLst>
               </a:tr>
@@ -4106,7 +4106,7 @@
                 </a:tc>
                 <a:extLst>
                   <a:ext uri="{0D108BD9-81ED-4DB2-BD59-A6C34878D82A}">
-                    <a16:rowId xmlns:a16="http://schemas.microsoft.com/office/drawing/2014/main" val="2842406944"/>
+                    <a16:rowId xmlns:a16="http://schemas.microsoft.com/office/drawing/2014/main" val="3284331429"/>
                   </a:ext>
                 </a:extLst>
               </a:tr>
@@ -4119,7 +4119,7 @@
           <p:cNvPr id="4" name="TextBox 3">
             <a:extLst>
               <a:ext uri="{FF2B5EF4-FFF2-40B4-BE49-F238E27FC236}">
-                <a16:creationId xmlns:a16="http://schemas.microsoft.com/office/drawing/2014/main" id="{EF18E6E9-3659-47EA-8EF3-C3627F1FF287}"/>
+                <a16:creationId xmlns:a16="http://schemas.microsoft.com/office/drawing/2014/main" id="{C2DBCB1D-322D-4D4A-899B-C01895F30DF5}"/>
               </a:ext>
             </a:extLst>
           </p:cNvPr>
@@ -4146,7 +4146,7 @@
               <a:rPr lang="en-US" sz="2800">
                 <a:latin typeface="Calibri" panose="020F0502020204030204" pitchFamily="34" charset="0"/>
               </a:rPr>
-              <a:t>Accomplishments for Week of 05/12/20 - 05/19/20</a:t>
+              <a:t>Accomplishments for Week of 05/15/20 - 05/22/20</a:t>
             </a:r>
           </a:p>
         </p:txBody>
@@ -4215,208 +4215,30 @@
           </a:p>
         </p:txBody>
       </p:sp>
-      <p:graphicFrame>
-        <p:nvGraphicFramePr>
-          <p:cNvPr id="2" name="Table Placeholder 1">
-            <a:extLst>
-              <a:ext uri="{FF2B5EF4-FFF2-40B4-BE49-F238E27FC236}">
-                <a16:creationId xmlns:a16="http://schemas.microsoft.com/office/drawing/2014/main" id="{FA0439FD-DA16-41E8-A669-6842543EBDA9}"/>
-              </a:ext>
-            </a:extLst>
-          </p:cNvPr>
-          <p:cNvGraphicFramePr>
-            <a:graphicFrameLocks noGrp="1"/>
-          </p:cNvGraphicFramePr>
+      <p:sp>
+        <p:nvSpPr>
+          <p:cNvPr id="5" name="Table Placeholder 4">
+            <a:extLst>
+              <a:ext uri="{FF2B5EF4-FFF2-40B4-BE49-F238E27FC236}">
+                <a16:creationId xmlns:a16="http://schemas.microsoft.com/office/drawing/2014/main" id="{7C478F99-2C5A-4FB0-969D-25AF82E52757}"/>
+              </a:ext>
+            </a:extLst>
+          </p:cNvPr>
+          <p:cNvSpPr>
+            <a:spLocks noGrp="1"/>
+          </p:cNvSpPr>
           <p:nvPr>
             <p:ph type="tbl" sz="quarter" idx="13"/>
-            <p:extLst>
-              <p:ext uri="{D42A27DB-BD31-4B8C-83A1-F6EECF244321}">
-                <p14:modId xmlns:p14="http://schemas.microsoft.com/office/powerpoint/2010/main" val="2284951169"/>
-              </p:ext>
-            </p:extLst>
-          </p:nvPr>
-        </p:nvGraphicFramePr>
-        <p:xfrm>
-          <a:off x="1055688" y="2241550"/>
-          <a:ext cx="10080625" cy="3746500"/>
-        </p:xfrm>
-        <a:graphic>
-          <a:graphicData uri="http://schemas.openxmlformats.org/drawingml/2006/table">
-            <a:tbl>
-              <a:tblPr firstRow="1" bandRow="1">
-                <a:tableStyleId>{5C22544A-7EE6-4342-B048-85BDC9FD1C3A}</a:tableStyleId>
-              </a:tblPr>
-              <a:tblGrid>
-                <a:gridCol w="3360208">
-                  <a:extLst>
-                    <a:ext uri="{9D8B030D-6E8A-4147-A177-3AD203B41FA5}">
-                      <a16:colId xmlns:a16="http://schemas.microsoft.com/office/drawing/2014/main" val="1251423113"/>
-                    </a:ext>
-                  </a:extLst>
-                </a:gridCol>
-                <a:gridCol w="3360208">
-                  <a:extLst>
-                    <a:ext uri="{9D8B030D-6E8A-4147-A177-3AD203B41FA5}">
-                      <a16:colId xmlns:a16="http://schemas.microsoft.com/office/drawing/2014/main" val="2133673424"/>
-                    </a:ext>
-                  </a:extLst>
-                </a:gridCol>
-                <a:gridCol w="3360208">
-                  <a:extLst>
-                    <a:ext uri="{9D8B030D-6E8A-4147-A177-3AD203B41FA5}">
-                      <a16:colId xmlns:a16="http://schemas.microsoft.com/office/drawing/2014/main" val="1948167439"/>
-                    </a:ext>
-                  </a:extLst>
-                </a:gridCol>
-              </a:tblGrid>
-              <a:tr h="370840">
-                <a:tc>
-                  <a:txBody>
-                    <a:bodyPr/>
-                    <a:lstStyle/>
-                    <a:p>
-                      <a:r>
-                        <a:rPr lang="en-US"/>
-                        <a:t>Risk Description</a:t>
-                      </a:r>
-                    </a:p>
-                  </a:txBody>
-                  <a:tcPr/>
-                </a:tc>
-                <a:tc>
-                  <a:txBody>
-                    <a:bodyPr/>
-                    <a:lstStyle/>
-                    <a:p>
-                      <a:r>
-                        <a:rPr lang="en-US"/>
-                        <a:t>Severity</a:t>
-                      </a:r>
-                    </a:p>
-                  </a:txBody>
-                  <a:tcPr/>
-                </a:tc>
-                <a:tc>
-                  <a:txBody>
-                    <a:bodyPr/>
-                    <a:lstStyle/>
-                    <a:p>
-                      <a:r>
-                        <a:rPr lang="en-US"/>
-                        <a:t>Owner</a:t>
-                      </a:r>
-                    </a:p>
-                  </a:txBody>
-                  <a:tcPr/>
-                </a:tc>
-                <a:extLst>
-                  <a:ext uri="{0D108BD9-81ED-4DB2-BD59-A6C34878D82A}">
-                    <a16:rowId xmlns:a16="http://schemas.microsoft.com/office/drawing/2014/main" val="4080355751"/>
-                  </a:ext>
-                </a:extLst>
-              </a:tr>
-              <a:tr h="370840">
-                <a:tc>
-                  <a:txBody>
-                    <a:bodyPr/>
-                    <a:lstStyle/>
-                    <a:p>
-                      <a:r>
-                        <a:rPr lang="en-US"/>
-                        <a:t>If something happens, then something bad will happen to the program</a:t>
-                      </a:r>
-                    </a:p>
-                  </a:txBody>
-                  <a:tcPr/>
-                </a:tc>
-                <a:tc>
-                  <a:txBody>
-                    <a:bodyPr/>
-                    <a:lstStyle/>
-                    <a:p>
-                      <a:r>
-                        <a:rPr lang="en-US"/>
-                        <a:t>High</a:t>
-                      </a:r>
-                    </a:p>
-                  </a:txBody>
-                  <a:tcPr/>
-                </a:tc>
-                <a:tc>
-                  <a:txBody>
-                    <a:bodyPr/>
-                    <a:lstStyle/>
-                    <a:p>
-                      <a:r>
-                        <a:rPr lang="en-US"/>
-                        <a:t>Elevate Bot</a:t>
-                      </a:r>
-                    </a:p>
-                  </a:txBody>
-                  <a:tcPr/>
-                </a:tc>
-                <a:extLst>
-                  <a:ext uri="{0D108BD9-81ED-4DB2-BD59-A6C34878D82A}">
-                    <a16:rowId xmlns:a16="http://schemas.microsoft.com/office/drawing/2014/main" val="2477040526"/>
-                  </a:ext>
-                </a:extLst>
-              </a:tr>
-              <a:tr h="370840">
-                <a:tc>
-                  <a:txBody>
-                    <a:bodyPr/>
-                    <a:lstStyle/>
-                    <a:p>
-                      <a:r>
-                        <a:rPr lang="en-US"/>
-                        <a:t>If the bot gets a mind of its own, then we will need to kill it</a:t>
-                      </a:r>
-                    </a:p>
-                  </a:txBody>
-                  <a:tcPr/>
-                </a:tc>
-                <a:tc>
-                  <a:txBody>
-                    <a:bodyPr/>
-                    <a:lstStyle/>
-                    <a:p>
-                      <a:r>
-                        <a:rPr lang="en-US"/>
-                        <a:t>Medium</a:t>
-                      </a:r>
-                    </a:p>
-                  </a:txBody>
-                  <a:tcPr/>
-                </a:tc>
-                <a:tc>
-                  <a:txBody>
-                    <a:bodyPr/>
-                    <a:lstStyle/>
-                    <a:p>
-                      <a:r>
-                        <a:rPr lang="en-US"/>
-                        <a:t>Elevate Bot</a:t>
-                      </a:r>
-                    </a:p>
-                  </a:txBody>
-                  <a:tcPr/>
-                </a:tc>
-                <a:extLst>
-                  <a:ext uri="{0D108BD9-81ED-4DB2-BD59-A6C34878D82A}">
-                    <a16:rowId xmlns:a16="http://schemas.microsoft.com/office/drawing/2014/main" val="2580351142"/>
-                  </a:ext>
-                </a:extLst>
-              </a:tr>
-            </a:tbl>
-          </a:graphicData>
-        </a:graphic>
-      </p:graphicFrame>
-      <p:sp>
-        <p:nvSpPr>
-          <p:cNvPr id="3" name="TextBox 2">
-            <a:extLst>
-              <a:ext uri="{FF2B5EF4-FFF2-40B4-BE49-F238E27FC236}">
-                <a16:creationId xmlns:a16="http://schemas.microsoft.com/office/drawing/2014/main" id="{E5F45E24-45DE-4439-ADB2-41841A93503A}"/>
+          </p:nvPr>
+        </p:nvSpPr>
+        <p:spPr/>
+      </p:sp>
+      <p:sp>
+        <p:nvSpPr>
+          <p:cNvPr id="2" name="TextBox 1">
+            <a:extLst>
+              <a:ext uri="{FF2B5EF4-FFF2-40B4-BE49-F238E27FC236}">
+                <a16:creationId xmlns:a16="http://schemas.microsoft.com/office/drawing/2014/main" id="{7E49380B-318C-4AB3-8873-269278028786}"/>
               </a:ext>
             </a:extLst>
           </p:cNvPr>
@@ -4443,7 +4265,7 @@
               <a:rPr lang="en-US" sz="2800">
                 <a:latin typeface="Calibri" panose="020F0502020204030204" pitchFamily="34" charset="0"/>
               </a:rPr>
-              <a:t>Risk Register as of  - 05/19/20</a:t>
+              <a:t>Risk Register as of  - 05/22/20</a:t>
             </a:r>
           </a:p>
         </p:txBody>

--- a/Data/Output/Robotic Process Automation PMO.pptx
+++ b/Data/Output/Robotic Process Automation PMO.pptx
@@ -124,9 +124,6 @@
         </p15:guide>
       </p15:sldGuideLst>
     </p:ext>
-    <p:ext uri="{2D200454-40CA-4A62-9FC3-DE9A4176ACB9}">
-      <p15:notesGuideLst xmlns:p15="http://schemas.microsoft.com/office/powerpoint/2012/main"/>
-    </p:ext>
   </p:extLst>
 </p:presentation>
 </file>
@@ -213,7 +210,7 @@
           <a:p>
             <a:fld id="{4AA46FC0-048C-40D8-958B-7775FA2711F6}" type="datetimeFigureOut">
               <a:rPr lang="en-US" smtClean="0"/>
-              <a:t>5/22/2020</a:t>
+              <a:t>5/15/2020</a:t>
             </a:fld>
             <a:endParaRPr lang="en-US"/>
           </a:p>
@@ -557,7 +554,7 @@
           <a:p>
             <a:fld id="{31D2A231-A7A4-4168-91EA-2B6389CA866E}" type="datetimeFigureOut">
               <a:rPr lang="en-US" smtClean="0"/>
-              <a:t>5/22/2020</a:t>
+              <a:t>5/15/2020</a:t>
             </a:fld>
             <a:endParaRPr lang="en-US"/>
           </a:p>
@@ -840,7 +837,7 @@
           <a:p>
             <a:fld id="{31D2A231-A7A4-4168-91EA-2B6389CA866E}" type="datetimeFigureOut">
               <a:rPr lang="en-US" smtClean="0"/>
-              <a:t>5/22/2020</a:t>
+              <a:t>5/15/2020</a:t>
             </a:fld>
             <a:endParaRPr lang="en-US"/>
           </a:p>
@@ -1048,7 +1045,7 @@
           <a:p>
             <a:fld id="{31D2A231-A7A4-4168-91EA-2B6389CA866E}" type="datetimeFigureOut">
               <a:rPr lang="en-US" smtClean="0"/>
-              <a:t>5/22/2020</a:t>
+              <a:t>5/15/2020</a:t>
             </a:fld>
             <a:endParaRPr lang="en-US"/>
           </a:p>
@@ -1598,7 +1595,7 @@
           <a:p>
             <a:fld id="{31D2A231-A7A4-4168-91EA-2B6389CA866E}" type="datetimeFigureOut">
               <a:rPr lang="en-US" smtClean="0"/>
-              <a:t>5/22/2020</a:t>
+              <a:t>5/15/2020</a:t>
             </a:fld>
             <a:endParaRPr lang="en-US"/>
           </a:p>
@@ -1863,7 +1860,7 @@
           <a:p>
             <a:fld id="{31D2A231-A7A4-4168-91EA-2B6389CA866E}" type="datetimeFigureOut">
               <a:rPr lang="en-US" smtClean="0"/>
-              <a:t>5/22/2020</a:t>
+              <a:t>5/15/2020</a:t>
             </a:fld>
             <a:endParaRPr lang="en-US"/>
           </a:p>
@@ -2275,7 +2272,7 @@
           <a:p>
             <a:fld id="{31D2A231-A7A4-4168-91EA-2B6389CA866E}" type="datetimeFigureOut">
               <a:rPr lang="en-US" smtClean="0"/>
-              <a:t>5/22/2020</a:t>
+              <a:t>5/15/2020</a:t>
             </a:fld>
             <a:endParaRPr lang="en-US"/>
           </a:p>
@@ -2416,7 +2413,7 @@
           <a:p>
             <a:fld id="{31D2A231-A7A4-4168-91EA-2B6389CA866E}" type="datetimeFigureOut">
               <a:rPr lang="en-US" smtClean="0"/>
-              <a:t>5/22/2020</a:t>
+              <a:t>5/15/2020</a:t>
             </a:fld>
             <a:endParaRPr lang="en-US"/>
           </a:p>
@@ -2529,7 +2526,7 @@
           <a:p>
             <a:fld id="{31D2A231-A7A4-4168-91EA-2B6389CA866E}" type="datetimeFigureOut">
               <a:rPr lang="en-US" smtClean="0"/>
-              <a:t>5/22/2020</a:t>
+              <a:t>5/15/2020</a:t>
             </a:fld>
             <a:endParaRPr lang="en-US"/>
           </a:p>
@@ -2840,7 +2837,7 @@
           <a:p>
             <a:fld id="{31D2A231-A7A4-4168-91EA-2B6389CA866E}" type="datetimeFigureOut">
               <a:rPr lang="en-US" smtClean="0"/>
-              <a:t>5/22/2020</a:t>
+              <a:t>5/15/2020</a:t>
             </a:fld>
             <a:endParaRPr lang="en-US"/>
           </a:p>
@@ -3128,7 +3125,7 @@
           <a:p>
             <a:fld id="{31D2A231-A7A4-4168-91EA-2B6389CA866E}" type="datetimeFigureOut">
               <a:rPr lang="en-US" smtClean="0"/>
-              <a:t>5/22/2020</a:t>
+              <a:t>5/15/2020</a:t>
             </a:fld>
             <a:endParaRPr lang="en-US"/>
           </a:p>
@@ -3369,7 +3366,7 @@
           <a:p>
             <a:fld id="{31D2A231-A7A4-4168-91EA-2B6389CA866E}" type="datetimeFigureOut">
               <a:rPr lang="en-US" smtClean="0"/>
-              <a:t>5/22/2020</a:t>
+              <a:t>5/15/2020</a:t>
             </a:fld>
             <a:endParaRPr lang="en-US"/>
           </a:p>
@@ -3863,43 +3860,6 @@
           </a:prstGeom>
         </p:spPr>
       </p:pic>
-      <p:sp>
-        <p:nvSpPr>
-          <p:cNvPr id="3" name="TextBox 2">
-            <a:extLst>
-              <a:ext uri="{FF2B5EF4-FFF2-40B4-BE49-F238E27FC236}">
-                <a16:creationId xmlns:a16="http://schemas.microsoft.com/office/drawing/2014/main" id="{C540DBEF-B63B-4887-BD41-E69588D12B4D}"/>
-              </a:ext>
-            </a:extLst>
-          </p:cNvPr>
-          <p:cNvSpPr txBox="1"/>
-          <p:nvPr/>
-        </p:nvSpPr>
-        <p:spPr>
-          <a:xfrm>
-            <a:off x="4330700" y="3987800"/>
-            <a:ext cx="3873500" cy="523220"/>
-          </a:xfrm>
-          <a:prstGeom prst="rect">
-            <a:avLst/>
-          </a:prstGeom>
-          <a:noFill/>
-        </p:spPr>
-        <p:txBody>
-          <a:bodyPr vert="horz" rtlCol="0">
-            <a:spAutoFit/>
-          </a:bodyPr>
-          <a:lstStyle/>
-          <a:p>
-            <a:r>
-              <a:rPr lang="en-US" sz="2800">
-                <a:latin typeface="Calibri" panose="020F0502020204030204" pitchFamily="34" charset="0"/>
-              </a:rPr>
-              <a:t>Prepared on  - 05/22/20</a:t>
-            </a:r>
-          </a:p>
-        </p:txBody>
-      </p:sp>
     </p:spTree>
     <p:extLst>
       <p:ext uri="{BB962C8B-B14F-4D97-AF65-F5344CB8AC3E}">
@@ -3964,192 +3924,23 @@
           </a:p>
         </p:txBody>
       </p:sp>
-      <p:graphicFrame>
-        <p:nvGraphicFramePr>
-          <p:cNvPr id="3" name="Table Placeholder 2">
-            <a:extLst>
-              <a:ext uri="{FF2B5EF4-FFF2-40B4-BE49-F238E27FC236}">
-                <a16:creationId xmlns:a16="http://schemas.microsoft.com/office/drawing/2014/main" id="{F2074A19-C701-42BB-9B53-32B00B259C99}"/>
-              </a:ext>
-            </a:extLst>
-          </p:cNvPr>
-          <p:cNvGraphicFramePr>
-            <a:graphicFrameLocks noGrp="1"/>
-          </p:cNvGraphicFramePr>
+      <p:sp>
+        <p:nvSpPr>
+          <p:cNvPr id="7" name="Table Placeholder 6">
+            <a:extLst>
+              <a:ext uri="{FF2B5EF4-FFF2-40B4-BE49-F238E27FC236}">
+                <a16:creationId xmlns:a16="http://schemas.microsoft.com/office/drawing/2014/main" id="{92538269-7816-4793-9331-437B51ABF5B4}"/>
+              </a:ext>
+            </a:extLst>
+          </p:cNvPr>
+          <p:cNvSpPr>
+            <a:spLocks noGrp="1"/>
+          </p:cNvSpPr>
           <p:nvPr>
             <p:ph type="tbl" sz="quarter" idx="13"/>
-            <p:extLst>
-              <p:ext uri="{D42A27DB-BD31-4B8C-83A1-F6EECF244321}">
-                <p14:modId xmlns:p14="http://schemas.microsoft.com/office/powerpoint/2010/main" val="4254168239"/>
-              </p:ext>
-            </p:extLst>
-          </p:nvPr>
-        </p:nvGraphicFramePr>
-        <p:xfrm>
-          <a:off x="1055688" y="2241550"/>
-          <a:ext cx="10080625" cy="3746500"/>
-        </p:xfrm>
-        <a:graphic>
-          <a:graphicData uri="http://schemas.openxmlformats.org/drawingml/2006/table">
-            <a:tbl>
-              <a:tblPr firstRow="1" bandRow="1">
-                <a:tableStyleId>{5C22544A-7EE6-4342-B048-85BDC9FD1C3A}</a:tableStyleId>
-              </a:tblPr>
-              <a:tblGrid>
-                <a:gridCol w="5040313">
-                  <a:extLst>
-                    <a:ext uri="{9D8B030D-6E8A-4147-A177-3AD203B41FA5}">
-                      <a16:colId xmlns:a16="http://schemas.microsoft.com/office/drawing/2014/main" val="3468104084"/>
-                    </a:ext>
-                  </a:extLst>
-                </a:gridCol>
-                <a:gridCol w="5040313">
-                  <a:extLst>
-                    <a:ext uri="{9D8B030D-6E8A-4147-A177-3AD203B41FA5}">
-                      <a16:colId xmlns:a16="http://schemas.microsoft.com/office/drawing/2014/main" val="1668649086"/>
-                    </a:ext>
-                  </a:extLst>
-                </a:gridCol>
-              </a:tblGrid>
-              <a:tr h="370840">
-                <a:tc>
-                  <a:txBody>
-                    <a:bodyPr/>
-                    <a:lstStyle/>
-                    <a:p>
-                      <a:r>
-                        <a:rPr lang="en-US"/>
-                        <a:t>Summary</a:t>
-                      </a:r>
-                    </a:p>
-                  </a:txBody>
-                  <a:tcPr/>
-                </a:tc>
-                <a:tc>
-                  <a:txBody>
-                    <a:bodyPr/>
-                    <a:lstStyle/>
-                    <a:p>
-                      <a:r>
-                        <a:rPr lang="en-US"/>
-                        <a:t>Assignee</a:t>
-                      </a:r>
-                    </a:p>
-                  </a:txBody>
-                  <a:tcPr/>
-                </a:tc>
-                <a:extLst>
-                  <a:ext uri="{0D108BD9-81ED-4DB2-BD59-A6C34878D82A}">
-                    <a16:rowId xmlns:a16="http://schemas.microsoft.com/office/drawing/2014/main" val="1181918249"/>
-                  </a:ext>
-                </a:extLst>
-              </a:tr>
-              <a:tr h="370840">
-                <a:tc>
-                  <a:txBody>
-                    <a:bodyPr/>
-                    <a:lstStyle/>
-                    <a:p>
-                      <a:r>
-                        <a:rPr lang="en-US"/>
-                        <a:t>Develop Test Case Scenarios</a:t>
-                      </a:r>
-                    </a:p>
-                  </a:txBody>
-                  <a:tcPr/>
-                </a:tc>
-                <a:tc>
-                  <a:txBody>
-                    <a:bodyPr/>
-                    <a:lstStyle/>
-                    <a:p>
-                      <a:r>
-                        <a:rPr lang="en-US"/>
-                        <a:t>elevatebot</a:t>
-                      </a:r>
-                    </a:p>
-                  </a:txBody>
-                  <a:tcPr/>
-                </a:tc>
-                <a:extLst>
-                  <a:ext uri="{0D108BD9-81ED-4DB2-BD59-A6C34878D82A}">
-                    <a16:rowId xmlns:a16="http://schemas.microsoft.com/office/drawing/2014/main" val="3885566199"/>
-                  </a:ext>
-                </a:extLst>
-              </a:tr>
-              <a:tr h="370840">
-                <a:tc>
-                  <a:txBody>
-                    <a:bodyPr/>
-                    <a:lstStyle/>
-                    <a:p>
-                      <a:r>
-                        <a:rPr lang="en-US"/>
-                        <a:t>Create Product Roadmap</a:t>
-                      </a:r>
-                    </a:p>
-                  </a:txBody>
-                  <a:tcPr/>
-                </a:tc>
-                <a:tc>
-                  <a:txBody>
-                    <a:bodyPr/>
-                    <a:lstStyle/>
-                    <a:p>
-                      <a:r>
-                        <a:rPr lang="en-US"/>
-                        <a:t>elevatebot</a:t>
-                      </a:r>
-                    </a:p>
-                  </a:txBody>
-                  <a:tcPr/>
-                </a:tc>
-                <a:extLst>
-                  <a:ext uri="{0D108BD9-81ED-4DB2-BD59-A6C34878D82A}">
-                    <a16:rowId xmlns:a16="http://schemas.microsoft.com/office/drawing/2014/main" val="717048760"/>
-                  </a:ext>
-                </a:extLst>
-              </a:tr>
-            </a:tbl>
-          </a:graphicData>
-        </a:graphic>
-      </p:graphicFrame>
-      <p:sp>
-        <p:nvSpPr>
-          <p:cNvPr id="4" name="TextBox 3">
-            <a:extLst>
-              <a:ext uri="{FF2B5EF4-FFF2-40B4-BE49-F238E27FC236}">
-                <a16:creationId xmlns:a16="http://schemas.microsoft.com/office/drawing/2014/main" id="{6E76F993-B019-4873-ABFF-B22B7B634F62}"/>
-              </a:ext>
-            </a:extLst>
-          </p:cNvPr>
-          <p:cNvSpPr txBox="1"/>
-          <p:nvPr/>
-        </p:nvSpPr>
-        <p:spPr>
-          <a:xfrm>
-            <a:off x="1066800" y="1600200"/>
-            <a:ext cx="8229600" cy="523220"/>
-          </a:xfrm>
-          <a:prstGeom prst="rect">
-            <a:avLst/>
-          </a:prstGeom>
-          <a:noFill/>
-        </p:spPr>
-        <p:txBody>
-          <a:bodyPr vert="horz" rtlCol="0">
-            <a:spAutoFit/>
-          </a:bodyPr>
-          <a:lstStyle/>
-          <a:p>
-            <a:r>
-              <a:rPr lang="en-US" sz="2800">
-                <a:latin typeface="Calibri" panose="020F0502020204030204" pitchFamily="34" charset="0"/>
-              </a:rPr>
-              <a:t>Accomplishments for Week of 05/15/20 - 05/22/20</a:t>
-            </a:r>
-          </a:p>
-        </p:txBody>
+          </p:nvPr>
+        </p:nvSpPr>
+        <p:spPr/>
       </p:sp>
     </p:spTree>
     <p:extLst>
@@ -4215,238 +4006,23 @@
           </a:p>
         </p:txBody>
       </p:sp>
-      <p:graphicFrame>
-        <p:nvGraphicFramePr>
-          <p:cNvPr id="2" name="Table Placeholder 1">
-            <a:extLst>
-              <a:ext uri="{FF2B5EF4-FFF2-40B4-BE49-F238E27FC236}">
-                <a16:creationId xmlns:a16="http://schemas.microsoft.com/office/drawing/2014/main" id="{0303773D-070B-4FCF-8C6E-562D1ED7B153}"/>
-              </a:ext>
-            </a:extLst>
-          </p:cNvPr>
-          <p:cNvGraphicFramePr>
-            <a:graphicFrameLocks noGrp="1"/>
-          </p:cNvGraphicFramePr>
+      <p:sp>
+        <p:nvSpPr>
+          <p:cNvPr id="5" name="Table Placeholder 4">
+            <a:extLst>
+              <a:ext uri="{FF2B5EF4-FFF2-40B4-BE49-F238E27FC236}">
+                <a16:creationId xmlns:a16="http://schemas.microsoft.com/office/drawing/2014/main" id="{7C478F99-2C5A-4FB0-969D-25AF82E52757}"/>
+              </a:ext>
+            </a:extLst>
+          </p:cNvPr>
+          <p:cNvSpPr>
+            <a:spLocks noGrp="1"/>
+          </p:cNvSpPr>
           <p:nvPr>
             <p:ph type="tbl" sz="quarter" idx="13"/>
-            <p:extLst>
-              <p:ext uri="{D42A27DB-BD31-4B8C-83A1-F6EECF244321}">
-                <p14:modId xmlns:p14="http://schemas.microsoft.com/office/powerpoint/2010/main" val="2013364557"/>
-              </p:ext>
-            </p:extLst>
-          </p:nvPr>
-        </p:nvGraphicFramePr>
-        <p:xfrm>
-          <a:off x="1055688" y="2241550"/>
-          <a:ext cx="10080625" cy="3746500"/>
-        </p:xfrm>
-        <a:graphic>
-          <a:graphicData uri="http://schemas.openxmlformats.org/drawingml/2006/table">
-            <a:tbl>
-              <a:tblPr firstRow="1" bandRow="1">
-                <a:tableStyleId>{5C22544A-7EE6-4342-B048-85BDC9FD1C3A}</a:tableStyleId>
-              </a:tblPr>
-              <a:tblGrid>
-                <a:gridCol w="3360208">
-                  <a:extLst>
-                    <a:ext uri="{9D8B030D-6E8A-4147-A177-3AD203B41FA5}">
-                      <a16:colId xmlns:a16="http://schemas.microsoft.com/office/drawing/2014/main" val="2565698457"/>
-                    </a:ext>
-                  </a:extLst>
-                </a:gridCol>
-                <a:gridCol w="3360208">
-                  <a:extLst>
-                    <a:ext uri="{9D8B030D-6E8A-4147-A177-3AD203B41FA5}">
-                      <a16:colId xmlns:a16="http://schemas.microsoft.com/office/drawing/2014/main" val="1110650861"/>
-                    </a:ext>
-                  </a:extLst>
-                </a:gridCol>
-                <a:gridCol w="3360208">
-                  <a:extLst>
-                    <a:ext uri="{9D8B030D-6E8A-4147-A177-3AD203B41FA5}">
-                      <a16:colId xmlns:a16="http://schemas.microsoft.com/office/drawing/2014/main" val="355195319"/>
-                    </a:ext>
-                  </a:extLst>
-                </a:gridCol>
-              </a:tblGrid>
-              <a:tr h="370840">
-                <a:tc>
-                  <a:txBody>
-                    <a:bodyPr/>
-                    <a:lstStyle/>
-                    <a:p>
-                      <a:r>
-                        <a:rPr lang="en-US"/>
-                        <a:t>Risk Description</a:t>
-                      </a:r>
-                    </a:p>
-                  </a:txBody>
-                  <a:tcPr/>
-                </a:tc>
-                <a:tc>
-                  <a:txBody>
-                    <a:bodyPr/>
-                    <a:lstStyle/>
-                    <a:p>
-                      <a:r>
-                        <a:rPr lang="en-US"/>
-                        <a:t>Severity</a:t>
-                      </a:r>
-                    </a:p>
-                  </a:txBody>
-                  <a:tcPr/>
-                </a:tc>
-                <a:tc>
-                  <a:txBody>
-                    <a:bodyPr/>
-                    <a:lstStyle/>
-                    <a:p>
-                      <a:r>
-                        <a:rPr lang="en-US"/>
-                        <a:t>Owner</a:t>
-                      </a:r>
-                    </a:p>
-                  </a:txBody>
-                  <a:tcPr/>
-                </a:tc>
-                <a:extLst>
-                  <a:ext uri="{0D108BD9-81ED-4DB2-BD59-A6C34878D82A}">
-                    <a16:rowId xmlns:a16="http://schemas.microsoft.com/office/drawing/2014/main" val="343855178"/>
-                  </a:ext>
-                </a:extLst>
-              </a:tr>
-              <a:tr h="370840">
-                <a:tc>
-                  <a:txBody>
-                    <a:bodyPr/>
-                    <a:lstStyle/>
-                    <a:p>
-                      <a:r>
-                        <a:rPr lang="en-US"/>
-                        <a:t>If something happens, then something bad will happen to the program</a:t>
-                      </a:r>
-                    </a:p>
-                  </a:txBody>
-                  <a:tcPr/>
-                </a:tc>
-                <a:tc>
-                  <a:txBody>
-                    <a:bodyPr/>
-                    <a:lstStyle/>
-                    <a:p>
-                      <a:r>
-                        <a:rPr lang="en-US"/>
-                        <a:t>High</a:t>
-                      </a:r>
-                    </a:p>
-                  </a:txBody>
-                  <a:tcPr/>
-                </a:tc>
-                <a:tc>
-                  <a:txBody>
-                    <a:bodyPr/>
-                    <a:lstStyle/>
-                    <a:p>
-                      <a:r>
-                        <a:rPr lang="en-US"/>
-                        <a:t>Elevate Bot</a:t>
-                      </a:r>
-                    </a:p>
-                  </a:txBody>
-                  <a:tcPr/>
-                </a:tc>
-                <a:extLst>
-                  <a:ext uri="{0D108BD9-81ED-4DB2-BD59-A6C34878D82A}">
-                    <a16:rowId xmlns:a16="http://schemas.microsoft.com/office/drawing/2014/main" val="52090590"/>
-                  </a:ext>
-                </a:extLst>
-              </a:tr>
-              <a:tr h="370840">
-                <a:tc>
-                  <a:txBody>
-                    <a:bodyPr/>
-                    <a:lstStyle/>
-                    <a:p>
-                      <a:r>
-                        <a:rPr lang="en-US"/>
-                        <a:t>If the bot gets a mind of its own, then we will need to kill it</a:t>
-                      </a:r>
-                    </a:p>
-                  </a:txBody>
-                  <a:tcPr/>
-                </a:tc>
-                <a:tc>
-                  <a:txBody>
-                    <a:bodyPr/>
-                    <a:lstStyle/>
-                    <a:p>
-                      <a:r>
-                        <a:rPr lang="en-US"/>
-                        <a:t>Medium</a:t>
-                      </a:r>
-                    </a:p>
-                  </a:txBody>
-                  <a:tcPr/>
-                </a:tc>
-                <a:tc>
-                  <a:txBody>
-                    <a:bodyPr/>
-                    <a:lstStyle/>
-                    <a:p>
-                      <a:r>
-                        <a:rPr lang="en-US"/>
-                        <a:t>Elevate Bot</a:t>
-                      </a:r>
-                    </a:p>
-                  </a:txBody>
-                  <a:tcPr/>
-                </a:tc>
-                <a:extLst>
-                  <a:ext uri="{0D108BD9-81ED-4DB2-BD59-A6C34878D82A}">
-                    <a16:rowId xmlns:a16="http://schemas.microsoft.com/office/drawing/2014/main" val="3933712201"/>
-                  </a:ext>
-                </a:extLst>
-              </a:tr>
-            </a:tbl>
-          </a:graphicData>
-        </a:graphic>
-      </p:graphicFrame>
-      <p:sp>
-        <p:nvSpPr>
-          <p:cNvPr id="3" name="TextBox 2">
-            <a:extLst>
-              <a:ext uri="{FF2B5EF4-FFF2-40B4-BE49-F238E27FC236}">
-                <a16:creationId xmlns:a16="http://schemas.microsoft.com/office/drawing/2014/main" id="{2E7D2E09-3D1C-457A-A124-0949748B3CFE}"/>
-              </a:ext>
-            </a:extLst>
-          </p:cNvPr>
-          <p:cNvSpPr txBox="1"/>
-          <p:nvPr/>
-        </p:nvSpPr>
-        <p:spPr>
-          <a:xfrm>
-            <a:off x="1066800" y="1600200"/>
-            <a:ext cx="8229600" cy="523220"/>
-          </a:xfrm>
-          <a:prstGeom prst="rect">
-            <a:avLst/>
-          </a:prstGeom>
-          <a:noFill/>
-        </p:spPr>
-        <p:txBody>
-          <a:bodyPr vert="horz" rtlCol="0">
-            <a:spAutoFit/>
-          </a:bodyPr>
-          <a:lstStyle/>
-          <a:p>
-            <a:r>
-              <a:rPr lang="en-US" sz="2800">
-                <a:latin typeface="Calibri" panose="020F0502020204030204" pitchFamily="34" charset="0"/>
-              </a:rPr>
-              <a:t>Risk Register as of  - 05/22/20</a:t>
-            </a:r>
-          </a:p>
-        </p:txBody>
+          </p:nvPr>
+        </p:nvSpPr>
+        <p:spPr/>
       </p:sp>
     </p:spTree>
     <p:extLst>

--- a/Data/Output/Robotic Process Automation PMO.pptx
+++ b/Data/Output/Robotic Process Automation PMO.pptx
@@ -124,9 +124,6 @@
         </p15:guide>
       </p15:sldGuideLst>
     </p:ext>
-    <p:ext uri="{2D200454-40CA-4A62-9FC3-DE9A4176ACB9}">
-      <p15:notesGuideLst xmlns:p15="http://schemas.microsoft.com/office/powerpoint/2012/main"/>
-    </p:ext>
   </p:extLst>
 </p:presentation>
 </file>
@@ -213,7 +210,7 @@
           <a:p>
             <a:fld id="{4AA46FC0-048C-40D8-958B-7775FA2711F6}" type="datetimeFigureOut">
               <a:rPr lang="en-US" smtClean="0"/>
-              <a:t>5/26/2020</a:t>
+              <a:t>5/15/2020</a:t>
             </a:fld>
             <a:endParaRPr lang="en-US"/>
           </a:p>
@@ -557,7 +554,7 @@
           <a:p>
             <a:fld id="{31D2A231-A7A4-4168-91EA-2B6389CA866E}" type="datetimeFigureOut">
               <a:rPr lang="en-US" smtClean="0"/>
-              <a:t>5/26/2020</a:t>
+              <a:t>5/15/2020</a:t>
             </a:fld>
             <a:endParaRPr lang="en-US"/>
           </a:p>
@@ -840,7 +837,7 @@
           <a:p>
             <a:fld id="{31D2A231-A7A4-4168-91EA-2B6389CA866E}" type="datetimeFigureOut">
               <a:rPr lang="en-US" smtClean="0"/>
-              <a:t>5/26/2020</a:t>
+              <a:t>5/15/2020</a:t>
             </a:fld>
             <a:endParaRPr lang="en-US"/>
           </a:p>
@@ -1048,7 +1045,7 @@
           <a:p>
             <a:fld id="{31D2A231-A7A4-4168-91EA-2B6389CA866E}" type="datetimeFigureOut">
               <a:rPr lang="en-US" smtClean="0"/>
-              <a:t>5/26/2020</a:t>
+              <a:t>5/15/2020</a:t>
             </a:fld>
             <a:endParaRPr lang="en-US"/>
           </a:p>
@@ -1598,7 +1595,7 @@
           <a:p>
             <a:fld id="{31D2A231-A7A4-4168-91EA-2B6389CA866E}" type="datetimeFigureOut">
               <a:rPr lang="en-US" smtClean="0"/>
-              <a:t>5/26/2020</a:t>
+              <a:t>5/15/2020</a:t>
             </a:fld>
             <a:endParaRPr lang="en-US"/>
           </a:p>
@@ -1863,7 +1860,7 @@
           <a:p>
             <a:fld id="{31D2A231-A7A4-4168-91EA-2B6389CA866E}" type="datetimeFigureOut">
               <a:rPr lang="en-US" smtClean="0"/>
-              <a:t>5/26/2020</a:t>
+              <a:t>5/15/2020</a:t>
             </a:fld>
             <a:endParaRPr lang="en-US"/>
           </a:p>
@@ -2275,7 +2272,7 @@
           <a:p>
             <a:fld id="{31D2A231-A7A4-4168-91EA-2B6389CA866E}" type="datetimeFigureOut">
               <a:rPr lang="en-US" smtClean="0"/>
-              <a:t>5/26/2020</a:t>
+              <a:t>5/15/2020</a:t>
             </a:fld>
             <a:endParaRPr lang="en-US"/>
           </a:p>
@@ -2416,7 +2413,7 @@
           <a:p>
             <a:fld id="{31D2A231-A7A4-4168-91EA-2B6389CA866E}" type="datetimeFigureOut">
               <a:rPr lang="en-US" smtClean="0"/>
-              <a:t>5/26/2020</a:t>
+              <a:t>5/15/2020</a:t>
             </a:fld>
             <a:endParaRPr lang="en-US"/>
           </a:p>
@@ -2529,7 +2526,7 @@
           <a:p>
             <a:fld id="{31D2A231-A7A4-4168-91EA-2B6389CA866E}" type="datetimeFigureOut">
               <a:rPr lang="en-US" smtClean="0"/>
-              <a:t>5/26/2020</a:t>
+              <a:t>5/15/2020</a:t>
             </a:fld>
             <a:endParaRPr lang="en-US"/>
           </a:p>
@@ -2840,7 +2837,7 @@
           <a:p>
             <a:fld id="{31D2A231-A7A4-4168-91EA-2B6389CA866E}" type="datetimeFigureOut">
               <a:rPr lang="en-US" smtClean="0"/>
-              <a:t>5/26/2020</a:t>
+              <a:t>5/15/2020</a:t>
             </a:fld>
             <a:endParaRPr lang="en-US"/>
           </a:p>
@@ -3128,7 +3125,7 @@
           <a:p>
             <a:fld id="{31D2A231-A7A4-4168-91EA-2B6389CA866E}" type="datetimeFigureOut">
               <a:rPr lang="en-US" smtClean="0"/>
-              <a:t>5/26/2020</a:t>
+              <a:t>5/15/2020</a:t>
             </a:fld>
             <a:endParaRPr lang="en-US"/>
           </a:p>
@@ -3369,7 +3366,7 @@
           <a:p>
             <a:fld id="{31D2A231-A7A4-4168-91EA-2B6389CA866E}" type="datetimeFigureOut">
               <a:rPr lang="en-US" smtClean="0"/>
-              <a:t>5/26/2020</a:t>
+              <a:t>5/15/2020</a:t>
             </a:fld>
             <a:endParaRPr lang="en-US"/>
           </a:p>
@@ -4009,202 +4006,24 @@
           </a:p>
         </p:txBody>
       </p:sp>
-      <p:graphicFrame>
-        <p:nvGraphicFramePr>
-          <p:cNvPr id="2" name="Table Placeholder 1">
-            <a:extLst>
-              <a:ext uri="{FF2B5EF4-FFF2-40B4-BE49-F238E27FC236}">
-                <a16:creationId xmlns:a16="http://schemas.microsoft.com/office/drawing/2014/main" id="{46087428-81A0-48E8-BDE1-EBB9AED49481}"/>
-              </a:ext>
-            </a:extLst>
-          </p:cNvPr>
-          <p:cNvGraphicFramePr>
-            <a:graphicFrameLocks noGrp="1"/>
-          </p:cNvGraphicFramePr>
+      <p:sp>
+        <p:nvSpPr>
+          <p:cNvPr id="5" name="Table Placeholder 4">
+            <a:extLst>
+              <a:ext uri="{FF2B5EF4-FFF2-40B4-BE49-F238E27FC236}">
+                <a16:creationId xmlns:a16="http://schemas.microsoft.com/office/drawing/2014/main" id="{7C478F99-2C5A-4FB0-969D-25AF82E52757}"/>
+              </a:ext>
+            </a:extLst>
+          </p:cNvPr>
+          <p:cNvSpPr>
+            <a:spLocks noGrp="1"/>
+          </p:cNvSpPr>
           <p:nvPr>
             <p:ph type="tbl" sz="quarter" idx="13"/>
-            <p:extLst>
-              <p:ext uri="{D42A27DB-BD31-4B8C-83A1-F6EECF244321}">
-                <p14:modId xmlns:p14="http://schemas.microsoft.com/office/powerpoint/2010/main" val="3604601512"/>
-              </p:ext>
-            </p:extLst>
-          </p:nvPr>
-        </p:nvGraphicFramePr>
-        <p:xfrm>
-          <a:off x="1055688" y="2241550"/>
-          <a:ext cx="10080625" cy="3746500"/>
-        </p:xfrm>
-        <a:graphic>
-          <a:graphicData uri="http://schemas.openxmlformats.org/drawingml/2006/table">
-            <a:tbl>
-              <a:tblPr firstRow="1" bandRow="1">
-                <a:tableStyleId>{5C22544A-7EE6-4342-B048-85BDC9FD1C3A}</a:tableStyleId>
-              </a:tblPr>
-              <a:tblGrid>
-                <a:gridCol w="3360208">
-                  <a:extLst>
-                    <a:ext uri="{9D8B030D-6E8A-4147-A177-3AD203B41FA5}">
-                      <a16:colId xmlns:a16="http://schemas.microsoft.com/office/drawing/2014/main" val="3781980447"/>
-                    </a:ext>
-                  </a:extLst>
-                </a:gridCol>
-                <a:gridCol w="3360208">
-                  <a:extLst>
-                    <a:ext uri="{9D8B030D-6E8A-4147-A177-3AD203B41FA5}">
-                      <a16:colId xmlns:a16="http://schemas.microsoft.com/office/drawing/2014/main" val="4166720075"/>
-                    </a:ext>
-                  </a:extLst>
-                </a:gridCol>
-                <a:gridCol w="3360208">
-                  <a:extLst>
-                    <a:ext uri="{9D8B030D-6E8A-4147-A177-3AD203B41FA5}">
-                      <a16:colId xmlns:a16="http://schemas.microsoft.com/office/drawing/2014/main" val="3122365152"/>
-                    </a:ext>
-                  </a:extLst>
-                </a:gridCol>
-              </a:tblGrid>
-              <a:tr h="370840">
-                <a:tc>
-                  <a:txBody>
-                    <a:bodyPr/>
-                    <a:lstStyle/>
-                    <a:p>
-                      <a:r>
-                        <a:rPr lang="en-US"/>
-                        <a:t>Risk Description</a:t>
-                      </a:r>
-                    </a:p>
-                  </a:txBody>
-                  <a:tcPr/>
-                </a:tc>
-                <a:tc>
-                  <a:txBody>
-                    <a:bodyPr/>
-                    <a:lstStyle/>
-                    <a:p>
-                      <a:r>
-                        <a:rPr lang="en-US"/>
-                        <a:t>Severity</a:t>
-                      </a:r>
-                    </a:p>
-                  </a:txBody>
-                  <a:tcPr/>
-                </a:tc>
-                <a:tc>
-                  <a:txBody>
-                    <a:bodyPr/>
-                    <a:lstStyle/>
-                    <a:p>
-                      <a:r>
-                        <a:rPr lang="en-US"/>
-                        <a:t>Owner</a:t>
-                      </a:r>
-                    </a:p>
-                  </a:txBody>
-                  <a:tcPr/>
-                </a:tc>
-                <a:extLst>
-                  <a:ext uri="{0D108BD9-81ED-4DB2-BD59-A6C34878D82A}">
-                    <a16:rowId xmlns:a16="http://schemas.microsoft.com/office/drawing/2014/main" val="1207135296"/>
-                  </a:ext>
-                </a:extLst>
-              </a:tr>
-              <a:tr h="370840">
-                <a:tc>
-                  <a:txBody>
-                    <a:bodyPr/>
-                    <a:lstStyle/>
-                    <a:p>
-                      <a:r>
-                        <a:rPr lang="en-US"/>
-                        <a:t>If something happens, then something bad will happen to the program</a:t>
-                      </a:r>
-                    </a:p>
-                  </a:txBody>
-                  <a:tcPr/>
-                </a:tc>
-                <a:tc>
-                  <a:txBody>
-                    <a:bodyPr/>
-                    <a:lstStyle/>
-                    <a:p>
-                      <a:r>
-                        <a:rPr lang="en-US"/>
-                        <a:t>High</a:t>
-                      </a:r>
-                    </a:p>
-                  </a:txBody>
-                  <a:tcPr/>
-                </a:tc>
-                <a:tc>
-                  <a:txBody>
-                    <a:bodyPr/>
-                    <a:lstStyle/>
-                    <a:p>
-                      <a:r>
-                        <a:rPr lang="en-US"/>
-                        <a:t>Elevate Bot</a:t>
-                      </a:r>
-                    </a:p>
-                  </a:txBody>
-                  <a:tcPr/>
-                </a:tc>
-                <a:extLst>
-                  <a:ext uri="{0D108BD9-81ED-4DB2-BD59-A6C34878D82A}">
-                    <a16:rowId xmlns:a16="http://schemas.microsoft.com/office/drawing/2014/main" val="2899237156"/>
-                  </a:ext>
-                </a:extLst>
-              </a:tr>
-              <a:tr h="370840">
-                <a:tc>
-                  <a:txBody>
-                    <a:bodyPr/>
-                    <a:lstStyle/>
-                    <a:p>
-                      <a:r>
-                        <a:rPr lang="en-US"/>
-                        <a:t>If the bot gets a mind of its own, then we will need to kill it</a:t>
-                      </a:r>
-                    </a:p>
-                  </a:txBody>
-                  <a:tcPr/>
-                </a:tc>
-                <a:tc>
-                  <a:txBody>
-                    <a:bodyPr/>
-                    <a:lstStyle/>
-                    <a:p>
-                      <a:r>
-                        <a:rPr lang="en-US"/>
-                        <a:t>Medium</a:t>
-                      </a:r>
-                    </a:p>
-                  </a:txBody>
-                  <a:tcPr/>
-                </a:tc>
-                <a:tc>
-                  <a:txBody>
-                    <a:bodyPr/>
-                    <a:lstStyle/>
-                    <a:p>
-                      <a:r>
-                        <a:rPr lang="en-US"/>
-                        <a:t>Elevate Bot</a:t>
-                      </a:r>
-                    </a:p>
-                  </a:txBody>
-                  <a:tcPr/>
-                </a:tc>
-                <a:extLst>
-                  <a:ext uri="{0D108BD9-81ED-4DB2-BD59-A6C34878D82A}">
-                    <a16:rowId xmlns:a16="http://schemas.microsoft.com/office/drawing/2014/main" val="2019222110"/>
-                  </a:ext>
-                </a:extLst>
-              </a:tr>
-            </a:tbl>
-          </a:graphicData>
-        </a:graphic>
-      </p:graphicFrame>
+          </p:nvPr>
+        </p:nvSpPr>
+        <p:spPr/>
+      </p:sp>
     </p:spTree>
     <p:extLst>
       <p:ext uri="{BB962C8B-B14F-4D97-AF65-F5344CB8AC3E}">

--- a/Data/Output/Robotic Process Automation PMO.pptx
+++ b/Data/Output/Robotic Process Automation PMO.pptx
@@ -124,6 +124,9 @@
         </p15:guide>
       </p15:sldGuideLst>
     </p:ext>
+    <p:ext uri="{2D200454-40CA-4A62-9FC3-DE9A4176ACB9}">
+      <p15:notesGuideLst xmlns:p15="http://schemas.microsoft.com/office/powerpoint/2012/main"/>
+    </p:ext>
   </p:extLst>
 </p:presentation>
 </file>
@@ -210,7 +213,7 @@
           <a:p>
             <a:fld id="{4AA46FC0-048C-40D8-958B-7775FA2711F6}" type="datetimeFigureOut">
               <a:rPr lang="en-US" smtClean="0"/>
-              <a:t>5/15/2020</a:t>
+              <a:t>5/26/2020</a:t>
             </a:fld>
             <a:endParaRPr lang="en-US"/>
           </a:p>
@@ -554,7 +557,7 @@
           <a:p>
             <a:fld id="{31D2A231-A7A4-4168-91EA-2B6389CA866E}" type="datetimeFigureOut">
               <a:rPr lang="en-US" smtClean="0"/>
-              <a:t>5/15/2020</a:t>
+              <a:t>5/26/2020</a:t>
             </a:fld>
             <a:endParaRPr lang="en-US"/>
           </a:p>
@@ -837,7 +840,7 @@
           <a:p>
             <a:fld id="{31D2A231-A7A4-4168-91EA-2B6389CA866E}" type="datetimeFigureOut">
               <a:rPr lang="en-US" smtClean="0"/>
-              <a:t>5/15/2020</a:t>
+              <a:t>5/26/2020</a:t>
             </a:fld>
             <a:endParaRPr lang="en-US"/>
           </a:p>
@@ -1045,7 +1048,7 @@
           <a:p>
             <a:fld id="{31D2A231-A7A4-4168-91EA-2B6389CA866E}" type="datetimeFigureOut">
               <a:rPr lang="en-US" smtClean="0"/>
-              <a:t>5/15/2020</a:t>
+              <a:t>5/26/2020</a:t>
             </a:fld>
             <a:endParaRPr lang="en-US"/>
           </a:p>
@@ -1595,7 +1598,7 @@
           <a:p>
             <a:fld id="{31D2A231-A7A4-4168-91EA-2B6389CA866E}" type="datetimeFigureOut">
               <a:rPr lang="en-US" smtClean="0"/>
-              <a:t>5/15/2020</a:t>
+              <a:t>5/26/2020</a:t>
             </a:fld>
             <a:endParaRPr lang="en-US"/>
           </a:p>
@@ -1860,7 +1863,7 @@
           <a:p>
             <a:fld id="{31D2A231-A7A4-4168-91EA-2B6389CA866E}" type="datetimeFigureOut">
               <a:rPr lang="en-US" smtClean="0"/>
-              <a:t>5/15/2020</a:t>
+              <a:t>5/26/2020</a:t>
             </a:fld>
             <a:endParaRPr lang="en-US"/>
           </a:p>
@@ -2272,7 +2275,7 @@
           <a:p>
             <a:fld id="{31D2A231-A7A4-4168-91EA-2B6389CA866E}" type="datetimeFigureOut">
               <a:rPr lang="en-US" smtClean="0"/>
-              <a:t>5/15/2020</a:t>
+              <a:t>5/26/2020</a:t>
             </a:fld>
             <a:endParaRPr lang="en-US"/>
           </a:p>
@@ -2413,7 +2416,7 @@
           <a:p>
             <a:fld id="{31D2A231-A7A4-4168-91EA-2B6389CA866E}" type="datetimeFigureOut">
               <a:rPr lang="en-US" smtClean="0"/>
-              <a:t>5/15/2020</a:t>
+              <a:t>5/26/2020</a:t>
             </a:fld>
             <a:endParaRPr lang="en-US"/>
           </a:p>
@@ -2526,7 +2529,7 @@
           <a:p>
             <a:fld id="{31D2A231-A7A4-4168-91EA-2B6389CA866E}" type="datetimeFigureOut">
               <a:rPr lang="en-US" smtClean="0"/>
-              <a:t>5/15/2020</a:t>
+              <a:t>5/26/2020</a:t>
             </a:fld>
             <a:endParaRPr lang="en-US"/>
           </a:p>
@@ -2837,7 +2840,7 @@
           <a:p>
             <a:fld id="{31D2A231-A7A4-4168-91EA-2B6389CA866E}" type="datetimeFigureOut">
               <a:rPr lang="en-US" smtClean="0"/>
-              <a:t>5/15/2020</a:t>
+              <a:t>5/26/2020</a:t>
             </a:fld>
             <a:endParaRPr lang="en-US"/>
           </a:p>
@@ -3125,7 +3128,7 @@
           <a:p>
             <a:fld id="{31D2A231-A7A4-4168-91EA-2B6389CA866E}" type="datetimeFigureOut">
               <a:rPr lang="en-US" smtClean="0"/>
-              <a:t>5/15/2020</a:t>
+              <a:t>5/26/2020</a:t>
             </a:fld>
             <a:endParaRPr lang="en-US"/>
           </a:p>
@@ -3366,7 +3369,7 @@
           <a:p>
             <a:fld id="{31D2A231-A7A4-4168-91EA-2B6389CA866E}" type="datetimeFigureOut">
               <a:rPr lang="en-US" smtClean="0"/>
-              <a:t>5/15/2020</a:t>
+              <a:t>5/26/2020</a:t>
             </a:fld>
             <a:endParaRPr lang="en-US"/>
           </a:p>
@@ -3860,6 +3863,43 @@
           </a:prstGeom>
         </p:spPr>
       </p:pic>
+      <p:sp>
+        <p:nvSpPr>
+          <p:cNvPr id="3" name="TextBox 2">
+            <a:extLst>
+              <a:ext uri="{FF2B5EF4-FFF2-40B4-BE49-F238E27FC236}">
+                <a16:creationId xmlns:a16="http://schemas.microsoft.com/office/drawing/2014/main" id="{16385916-1C88-41CE-895E-CE0F21CAD560}"/>
+              </a:ext>
+            </a:extLst>
+          </p:cNvPr>
+          <p:cNvSpPr txBox="1"/>
+          <p:nvPr/>
+        </p:nvSpPr>
+        <p:spPr>
+          <a:xfrm>
+            <a:off x="4330700" y="3987800"/>
+            <a:ext cx="3873500" cy="523220"/>
+          </a:xfrm>
+          <a:prstGeom prst="rect">
+            <a:avLst/>
+          </a:prstGeom>
+          <a:noFill/>
+        </p:spPr>
+        <p:txBody>
+          <a:bodyPr vert="horz" rtlCol="0">
+            <a:spAutoFit/>
+          </a:bodyPr>
+          <a:lstStyle/>
+          <a:p>
+            <a:r>
+              <a:rPr lang="en-US" sz="2800">
+                <a:latin typeface="Calibri" panose="020F0502020204030204" pitchFamily="34" charset="0"/>
+              </a:rPr>
+              <a:t>Prepared on  - 05/26/20</a:t>
+            </a:r>
+          </a:p>
+        </p:txBody>
+      </p:sp>
     </p:spTree>
     <p:extLst>
       <p:ext uri="{BB962C8B-B14F-4D97-AF65-F5344CB8AC3E}">
@@ -4006,23 +4046,238 @@
           </a:p>
         </p:txBody>
       </p:sp>
-      <p:sp>
-        <p:nvSpPr>
-          <p:cNvPr id="5" name="Table Placeholder 4">
-            <a:extLst>
-              <a:ext uri="{FF2B5EF4-FFF2-40B4-BE49-F238E27FC236}">
-                <a16:creationId xmlns:a16="http://schemas.microsoft.com/office/drawing/2014/main" id="{7C478F99-2C5A-4FB0-969D-25AF82E52757}"/>
-              </a:ext>
-            </a:extLst>
-          </p:cNvPr>
-          <p:cNvSpPr>
-            <a:spLocks noGrp="1"/>
-          </p:cNvSpPr>
+      <p:graphicFrame>
+        <p:nvGraphicFramePr>
+          <p:cNvPr id="2" name="Table Placeholder 1">
+            <a:extLst>
+              <a:ext uri="{FF2B5EF4-FFF2-40B4-BE49-F238E27FC236}">
+                <a16:creationId xmlns:a16="http://schemas.microsoft.com/office/drawing/2014/main" id="{4224E738-0EF3-46B4-A3E5-FF4A80DFF43D}"/>
+              </a:ext>
+            </a:extLst>
+          </p:cNvPr>
+          <p:cNvGraphicFramePr>
+            <a:graphicFrameLocks noGrp="1"/>
+          </p:cNvGraphicFramePr>
           <p:nvPr>
             <p:ph type="tbl" sz="quarter" idx="13"/>
-          </p:nvPr>
-        </p:nvSpPr>
-        <p:spPr/>
+            <p:extLst>
+              <p:ext uri="{D42A27DB-BD31-4B8C-83A1-F6EECF244321}">
+                <p14:modId xmlns:p14="http://schemas.microsoft.com/office/powerpoint/2010/main" val="1626552111"/>
+              </p:ext>
+            </p:extLst>
+          </p:nvPr>
+        </p:nvGraphicFramePr>
+        <p:xfrm>
+          <a:off x="1055688" y="2241550"/>
+          <a:ext cx="10080625" cy="3746500"/>
+        </p:xfrm>
+        <a:graphic>
+          <a:graphicData uri="http://schemas.openxmlformats.org/drawingml/2006/table">
+            <a:tbl>
+              <a:tblPr firstRow="1" bandRow="1">
+                <a:tableStyleId>{5C22544A-7EE6-4342-B048-85BDC9FD1C3A}</a:tableStyleId>
+              </a:tblPr>
+              <a:tblGrid>
+                <a:gridCol w="3360208">
+                  <a:extLst>
+                    <a:ext uri="{9D8B030D-6E8A-4147-A177-3AD203B41FA5}">
+                      <a16:colId xmlns:a16="http://schemas.microsoft.com/office/drawing/2014/main" val="2022934191"/>
+                    </a:ext>
+                  </a:extLst>
+                </a:gridCol>
+                <a:gridCol w="3360208">
+                  <a:extLst>
+                    <a:ext uri="{9D8B030D-6E8A-4147-A177-3AD203B41FA5}">
+                      <a16:colId xmlns:a16="http://schemas.microsoft.com/office/drawing/2014/main" val="1890383716"/>
+                    </a:ext>
+                  </a:extLst>
+                </a:gridCol>
+                <a:gridCol w="3360208">
+                  <a:extLst>
+                    <a:ext uri="{9D8B030D-6E8A-4147-A177-3AD203B41FA5}">
+                      <a16:colId xmlns:a16="http://schemas.microsoft.com/office/drawing/2014/main" val="1162167473"/>
+                    </a:ext>
+                  </a:extLst>
+                </a:gridCol>
+              </a:tblGrid>
+              <a:tr h="370840">
+                <a:tc>
+                  <a:txBody>
+                    <a:bodyPr/>
+                    <a:lstStyle/>
+                    <a:p>
+                      <a:r>
+                        <a:rPr lang="en-US"/>
+                        <a:t>Risk Description</a:t>
+                      </a:r>
+                    </a:p>
+                  </a:txBody>
+                  <a:tcPr/>
+                </a:tc>
+                <a:tc>
+                  <a:txBody>
+                    <a:bodyPr/>
+                    <a:lstStyle/>
+                    <a:p>
+                      <a:r>
+                        <a:rPr lang="en-US"/>
+                        <a:t>Severity</a:t>
+                      </a:r>
+                    </a:p>
+                  </a:txBody>
+                  <a:tcPr/>
+                </a:tc>
+                <a:tc>
+                  <a:txBody>
+                    <a:bodyPr/>
+                    <a:lstStyle/>
+                    <a:p>
+                      <a:r>
+                        <a:rPr lang="en-US"/>
+                        <a:t>Owner</a:t>
+                      </a:r>
+                    </a:p>
+                  </a:txBody>
+                  <a:tcPr/>
+                </a:tc>
+                <a:extLst>
+                  <a:ext uri="{0D108BD9-81ED-4DB2-BD59-A6C34878D82A}">
+                    <a16:rowId xmlns:a16="http://schemas.microsoft.com/office/drawing/2014/main" val="1148855354"/>
+                  </a:ext>
+                </a:extLst>
+              </a:tr>
+              <a:tr h="370840">
+                <a:tc>
+                  <a:txBody>
+                    <a:bodyPr/>
+                    <a:lstStyle/>
+                    <a:p>
+                      <a:r>
+                        <a:rPr lang="en-US"/>
+                        <a:t>If something happens, then something bad will happen to the program</a:t>
+                      </a:r>
+                    </a:p>
+                  </a:txBody>
+                  <a:tcPr/>
+                </a:tc>
+                <a:tc>
+                  <a:txBody>
+                    <a:bodyPr/>
+                    <a:lstStyle/>
+                    <a:p>
+                      <a:r>
+                        <a:rPr lang="en-US"/>
+                        <a:t>High</a:t>
+                      </a:r>
+                    </a:p>
+                  </a:txBody>
+                  <a:tcPr/>
+                </a:tc>
+                <a:tc>
+                  <a:txBody>
+                    <a:bodyPr/>
+                    <a:lstStyle/>
+                    <a:p>
+                      <a:r>
+                        <a:rPr lang="en-US"/>
+                        <a:t>Elevate Bot</a:t>
+                      </a:r>
+                    </a:p>
+                  </a:txBody>
+                  <a:tcPr/>
+                </a:tc>
+                <a:extLst>
+                  <a:ext uri="{0D108BD9-81ED-4DB2-BD59-A6C34878D82A}">
+                    <a16:rowId xmlns:a16="http://schemas.microsoft.com/office/drawing/2014/main" val="2271343884"/>
+                  </a:ext>
+                </a:extLst>
+              </a:tr>
+              <a:tr h="370840">
+                <a:tc>
+                  <a:txBody>
+                    <a:bodyPr/>
+                    <a:lstStyle/>
+                    <a:p>
+                      <a:r>
+                        <a:rPr lang="en-US"/>
+                        <a:t>If the bot gets a mind of its own, then we will need to kill it</a:t>
+                      </a:r>
+                    </a:p>
+                  </a:txBody>
+                  <a:tcPr/>
+                </a:tc>
+                <a:tc>
+                  <a:txBody>
+                    <a:bodyPr/>
+                    <a:lstStyle/>
+                    <a:p>
+                      <a:r>
+                        <a:rPr lang="en-US"/>
+                        <a:t>Medium</a:t>
+                      </a:r>
+                    </a:p>
+                  </a:txBody>
+                  <a:tcPr/>
+                </a:tc>
+                <a:tc>
+                  <a:txBody>
+                    <a:bodyPr/>
+                    <a:lstStyle/>
+                    <a:p>
+                      <a:r>
+                        <a:rPr lang="en-US"/>
+                        <a:t>Elevate Bot</a:t>
+                      </a:r>
+                    </a:p>
+                  </a:txBody>
+                  <a:tcPr/>
+                </a:tc>
+                <a:extLst>
+                  <a:ext uri="{0D108BD9-81ED-4DB2-BD59-A6C34878D82A}">
+                    <a16:rowId xmlns:a16="http://schemas.microsoft.com/office/drawing/2014/main" val="952122081"/>
+                  </a:ext>
+                </a:extLst>
+              </a:tr>
+            </a:tbl>
+          </a:graphicData>
+        </a:graphic>
+      </p:graphicFrame>
+      <p:sp>
+        <p:nvSpPr>
+          <p:cNvPr id="3" name="TextBox 2">
+            <a:extLst>
+              <a:ext uri="{FF2B5EF4-FFF2-40B4-BE49-F238E27FC236}">
+                <a16:creationId xmlns:a16="http://schemas.microsoft.com/office/drawing/2014/main" id="{FDEBCC63-ABAA-4BDB-85AA-032DDC31B9F2}"/>
+              </a:ext>
+            </a:extLst>
+          </p:cNvPr>
+          <p:cNvSpPr txBox="1"/>
+          <p:nvPr/>
+        </p:nvSpPr>
+        <p:spPr>
+          <a:xfrm>
+            <a:off x="1066800" y="1600200"/>
+            <a:ext cx="8229600" cy="523220"/>
+          </a:xfrm>
+          <a:prstGeom prst="rect">
+            <a:avLst/>
+          </a:prstGeom>
+          <a:noFill/>
+        </p:spPr>
+        <p:txBody>
+          <a:bodyPr vert="horz" rtlCol="0">
+            <a:spAutoFit/>
+          </a:bodyPr>
+          <a:lstStyle/>
+          <a:p>
+            <a:r>
+              <a:rPr lang="en-US" sz="2800">
+                <a:latin typeface="Calibri" panose="020F0502020204030204" pitchFamily="34" charset="0"/>
+              </a:rPr>
+              <a:t>Risk Register as of  - 05/26/20</a:t>
+            </a:r>
+          </a:p>
+        </p:txBody>
       </p:sp>
     </p:spTree>
     <p:extLst>

--- a/Data/Output/Robotic Process Automation PMO.pptx
+++ b/Data/Output/Robotic Process Automation PMO.pptx
@@ -124,9 +124,6 @@
         </p15:guide>
       </p15:sldGuideLst>
     </p:ext>
-    <p:ext uri="{2D200454-40CA-4A62-9FC3-DE9A4176ACB9}">
-      <p15:notesGuideLst xmlns:p15="http://schemas.microsoft.com/office/powerpoint/2012/main"/>
-    </p:ext>
   </p:extLst>
 </p:presentation>
 </file>
@@ -213,7 +210,7 @@
           <a:p>
             <a:fld id="{4AA46FC0-048C-40D8-958B-7775FA2711F6}" type="datetimeFigureOut">
               <a:rPr lang="en-US" smtClean="0"/>
-              <a:t>5/26/2020</a:t>
+              <a:t>5/15/2020</a:t>
             </a:fld>
             <a:endParaRPr lang="en-US"/>
           </a:p>
@@ -557,7 +554,7 @@
           <a:p>
             <a:fld id="{31D2A231-A7A4-4168-91EA-2B6389CA866E}" type="datetimeFigureOut">
               <a:rPr lang="en-US" smtClean="0"/>
-              <a:t>5/26/2020</a:t>
+              <a:t>5/15/2020</a:t>
             </a:fld>
             <a:endParaRPr lang="en-US"/>
           </a:p>
@@ -840,7 +837,7 @@
           <a:p>
             <a:fld id="{31D2A231-A7A4-4168-91EA-2B6389CA866E}" type="datetimeFigureOut">
               <a:rPr lang="en-US" smtClean="0"/>
-              <a:t>5/26/2020</a:t>
+              <a:t>5/15/2020</a:t>
             </a:fld>
             <a:endParaRPr lang="en-US"/>
           </a:p>
@@ -1048,7 +1045,7 @@
           <a:p>
             <a:fld id="{31D2A231-A7A4-4168-91EA-2B6389CA866E}" type="datetimeFigureOut">
               <a:rPr lang="en-US" smtClean="0"/>
-              <a:t>5/26/2020</a:t>
+              <a:t>5/15/2020</a:t>
             </a:fld>
             <a:endParaRPr lang="en-US"/>
           </a:p>
@@ -1598,7 +1595,7 @@
           <a:p>
             <a:fld id="{31D2A231-A7A4-4168-91EA-2B6389CA866E}" type="datetimeFigureOut">
               <a:rPr lang="en-US" smtClean="0"/>
-              <a:t>5/26/2020</a:t>
+              <a:t>5/15/2020</a:t>
             </a:fld>
             <a:endParaRPr lang="en-US"/>
           </a:p>
@@ -1863,7 +1860,7 @@
           <a:p>
             <a:fld id="{31D2A231-A7A4-4168-91EA-2B6389CA866E}" type="datetimeFigureOut">
               <a:rPr lang="en-US" smtClean="0"/>
-              <a:t>5/26/2020</a:t>
+              <a:t>5/15/2020</a:t>
             </a:fld>
             <a:endParaRPr lang="en-US"/>
           </a:p>
@@ -2275,7 +2272,7 @@
           <a:p>
             <a:fld id="{31D2A231-A7A4-4168-91EA-2B6389CA866E}" type="datetimeFigureOut">
               <a:rPr lang="en-US" smtClean="0"/>
-              <a:t>5/26/2020</a:t>
+              <a:t>5/15/2020</a:t>
             </a:fld>
             <a:endParaRPr lang="en-US"/>
           </a:p>
@@ -2416,7 +2413,7 @@
           <a:p>
             <a:fld id="{31D2A231-A7A4-4168-91EA-2B6389CA866E}" type="datetimeFigureOut">
               <a:rPr lang="en-US" smtClean="0"/>
-              <a:t>5/26/2020</a:t>
+              <a:t>5/15/2020</a:t>
             </a:fld>
             <a:endParaRPr lang="en-US"/>
           </a:p>
@@ -2529,7 +2526,7 @@
           <a:p>
             <a:fld id="{31D2A231-A7A4-4168-91EA-2B6389CA866E}" type="datetimeFigureOut">
               <a:rPr lang="en-US" smtClean="0"/>
-              <a:t>5/26/2020</a:t>
+              <a:t>5/15/2020</a:t>
             </a:fld>
             <a:endParaRPr lang="en-US"/>
           </a:p>
@@ -2840,7 +2837,7 @@
           <a:p>
             <a:fld id="{31D2A231-A7A4-4168-91EA-2B6389CA866E}" type="datetimeFigureOut">
               <a:rPr lang="en-US" smtClean="0"/>
-              <a:t>5/26/2020</a:t>
+              <a:t>5/15/2020</a:t>
             </a:fld>
             <a:endParaRPr lang="en-US"/>
           </a:p>
@@ -3128,7 +3125,7 @@
           <a:p>
             <a:fld id="{31D2A231-A7A4-4168-91EA-2B6389CA866E}" type="datetimeFigureOut">
               <a:rPr lang="en-US" smtClean="0"/>
-              <a:t>5/26/2020</a:t>
+              <a:t>5/15/2020</a:t>
             </a:fld>
             <a:endParaRPr lang="en-US"/>
           </a:p>
@@ -3369,7 +3366,7 @@
           <a:p>
             <a:fld id="{31D2A231-A7A4-4168-91EA-2B6389CA866E}" type="datetimeFigureOut">
               <a:rPr lang="en-US" smtClean="0"/>
-              <a:t>5/26/2020</a:t>
+              <a:t>5/15/2020</a:t>
             </a:fld>
             <a:endParaRPr lang="en-US"/>
           </a:p>
@@ -3863,43 +3860,6 @@
           </a:prstGeom>
         </p:spPr>
       </p:pic>
-      <p:sp>
-        <p:nvSpPr>
-          <p:cNvPr id="3" name="TextBox 2">
-            <a:extLst>
-              <a:ext uri="{FF2B5EF4-FFF2-40B4-BE49-F238E27FC236}">
-                <a16:creationId xmlns:a16="http://schemas.microsoft.com/office/drawing/2014/main" id="{16385916-1C88-41CE-895E-CE0F21CAD560}"/>
-              </a:ext>
-            </a:extLst>
-          </p:cNvPr>
-          <p:cNvSpPr txBox="1"/>
-          <p:nvPr/>
-        </p:nvSpPr>
-        <p:spPr>
-          <a:xfrm>
-            <a:off x="4330700" y="3987800"/>
-            <a:ext cx="3873500" cy="523220"/>
-          </a:xfrm>
-          <a:prstGeom prst="rect">
-            <a:avLst/>
-          </a:prstGeom>
-          <a:noFill/>
-        </p:spPr>
-        <p:txBody>
-          <a:bodyPr vert="horz" rtlCol="0">
-            <a:spAutoFit/>
-          </a:bodyPr>
-          <a:lstStyle/>
-          <a:p>
-            <a:r>
-              <a:rPr lang="en-US" sz="2800">
-                <a:latin typeface="Calibri" panose="020F0502020204030204" pitchFamily="34" charset="0"/>
-              </a:rPr>
-              <a:t>Prepared on  - 05/26/20</a:t>
-            </a:r>
-          </a:p>
-        </p:txBody>
-      </p:sp>
     </p:spTree>
     <p:extLst>
       <p:ext uri="{BB962C8B-B14F-4D97-AF65-F5344CB8AC3E}">
@@ -4046,238 +4006,23 @@
           </a:p>
         </p:txBody>
       </p:sp>
-      <p:graphicFrame>
-        <p:nvGraphicFramePr>
-          <p:cNvPr id="2" name="Table Placeholder 1">
-            <a:extLst>
-              <a:ext uri="{FF2B5EF4-FFF2-40B4-BE49-F238E27FC236}">
-                <a16:creationId xmlns:a16="http://schemas.microsoft.com/office/drawing/2014/main" id="{4224E738-0EF3-46B4-A3E5-FF4A80DFF43D}"/>
-              </a:ext>
-            </a:extLst>
-          </p:cNvPr>
-          <p:cNvGraphicFramePr>
-            <a:graphicFrameLocks noGrp="1"/>
-          </p:cNvGraphicFramePr>
+      <p:sp>
+        <p:nvSpPr>
+          <p:cNvPr id="5" name="Table Placeholder 4">
+            <a:extLst>
+              <a:ext uri="{FF2B5EF4-FFF2-40B4-BE49-F238E27FC236}">
+                <a16:creationId xmlns:a16="http://schemas.microsoft.com/office/drawing/2014/main" id="{7C478F99-2C5A-4FB0-969D-25AF82E52757}"/>
+              </a:ext>
+            </a:extLst>
+          </p:cNvPr>
+          <p:cNvSpPr>
+            <a:spLocks noGrp="1"/>
+          </p:cNvSpPr>
           <p:nvPr>
             <p:ph type="tbl" sz="quarter" idx="13"/>
-            <p:extLst>
-              <p:ext uri="{D42A27DB-BD31-4B8C-83A1-F6EECF244321}">
-                <p14:modId xmlns:p14="http://schemas.microsoft.com/office/powerpoint/2010/main" val="1626552111"/>
-              </p:ext>
-            </p:extLst>
-          </p:nvPr>
-        </p:nvGraphicFramePr>
-        <p:xfrm>
-          <a:off x="1055688" y="2241550"/>
-          <a:ext cx="10080625" cy="3746500"/>
-        </p:xfrm>
-        <a:graphic>
-          <a:graphicData uri="http://schemas.openxmlformats.org/drawingml/2006/table">
-            <a:tbl>
-              <a:tblPr firstRow="1" bandRow="1">
-                <a:tableStyleId>{5C22544A-7EE6-4342-B048-85BDC9FD1C3A}</a:tableStyleId>
-              </a:tblPr>
-              <a:tblGrid>
-                <a:gridCol w="3360208">
-                  <a:extLst>
-                    <a:ext uri="{9D8B030D-6E8A-4147-A177-3AD203B41FA5}">
-                      <a16:colId xmlns:a16="http://schemas.microsoft.com/office/drawing/2014/main" val="2022934191"/>
-                    </a:ext>
-                  </a:extLst>
-                </a:gridCol>
-                <a:gridCol w="3360208">
-                  <a:extLst>
-                    <a:ext uri="{9D8B030D-6E8A-4147-A177-3AD203B41FA5}">
-                      <a16:colId xmlns:a16="http://schemas.microsoft.com/office/drawing/2014/main" val="1890383716"/>
-                    </a:ext>
-                  </a:extLst>
-                </a:gridCol>
-                <a:gridCol w="3360208">
-                  <a:extLst>
-                    <a:ext uri="{9D8B030D-6E8A-4147-A177-3AD203B41FA5}">
-                      <a16:colId xmlns:a16="http://schemas.microsoft.com/office/drawing/2014/main" val="1162167473"/>
-                    </a:ext>
-                  </a:extLst>
-                </a:gridCol>
-              </a:tblGrid>
-              <a:tr h="370840">
-                <a:tc>
-                  <a:txBody>
-                    <a:bodyPr/>
-                    <a:lstStyle/>
-                    <a:p>
-                      <a:r>
-                        <a:rPr lang="en-US"/>
-                        <a:t>Risk Description</a:t>
-                      </a:r>
-                    </a:p>
-                  </a:txBody>
-                  <a:tcPr/>
-                </a:tc>
-                <a:tc>
-                  <a:txBody>
-                    <a:bodyPr/>
-                    <a:lstStyle/>
-                    <a:p>
-                      <a:r>
-                        <a:rPr lang="en-US"/>
-                        <a:t>Severity</a:t>
-                      </a:r>
-                    </a:p>
-                  </a:txBody>
-                  <a:tcPr/>
-                </a:tc>
-                <a:tc>
-                  <a:txBody>
-                    <a:bodyPr/>
-                    <a:lstStyle/>
-                    <a:p>
-                      <a:r>
-                        <a:rPr lang="en-US"/>
-                        <a:t>Owner</a:t>
-                      </a:r>
-                    </a:p>
-                  </a:txBody>
-                  <a:tcPr/>
-                </a:tc>
-                <a:extLst>
-                  <a:ext uri="{0D108BD9-81ED-4DB2-BD59-A6C34878D82A}">
-                    <a16:rowId xmlns:a16="http://schemas.microsoft.com/office/drawing/2014/main" val="1148855354"/>
-                  </a:ext>
-                </a:extLst>
-              </a:tr>
-              <a:tr h="370840">
-                <a:tc>
-                  <a:txBody>
-                    <a:bodyPr/>
-                    <a:lstStyle/>
-                    <a:p>
-                      <a:r>
-                        <a:rPr lang="en-US"/>
-                        <a:t>If something happens, then something bad will happen to the program</a:t>
-                      </a:r>
-                    </a:p>
-                  </a:txBody>
-                  <a:tcPr/>
-                </a:tc>
-                <a:tc>
-                  <a:txBody>
-                    <a:bodyPr/>
-                    <a:lstStyle/>
-                    <a:p>
-                      <a:r>
-                        <a:rPr lang="en-US"/>
-                        <a:t>High</a:t>
-                      </a:r>
-                    </a:p>
-                  </a:txBody>
-                  <a:tcPr/>
-                </a:tc>
-                <a:tc>
-                  <a:txBody>
-                    <a:bodyPr/>
-                    <a:lstStyle/>
-                    <a:p>
-                      <a:r>
-                        <a:rPr lang="en-US"/>
-                        <a:t>Elevate Bot</a:t>
-                      </a:r>
-                    </a:p>
-                  </a:txBody>
-                  <a:tcPr/>
-                </a:tc>
-                <a:extLst>
-                  <a:ext uri="{0D108BD9-81ED-4DB2-BD59-A6C34878D82A}">
-                    <a16:rowId xmlns:a16="http://schemas.microsoft.com/office/drawing/2014/main" val="2271343884"/>
-                  </a:ext>
-                </a:extLst>
-              </a:tr>
-              <a:tr h="370840">
-                <a:tc>
-                  <a:txBody>
-                    <a:bodyPr/>
-                    <a:lstStyle/>
-                    <a:p>
-                      <a:r>
-                        <a:rPr lang="en-US"/>
-                        <a:t>If the bot gets a mind of its own, then we will need to kill it</a:t>
-                      </a:r>
-                    </a:p>
-                  </a:txBody>
-                  <a:tcPr/>
-                </a:tc>
-                <a:tc>
-                  <a:txBody>
-                    <a:bodyPr/>
-                    <a:lstStyle/>
-                    <a:p>
-                      <a:r>
-                        <a:rPr lang="en-US"/>
-                        <a:t>Medium</a:t>
-                      </a:r>
-                    </a:p>
-                  </a:txBody>
-                  <a:tcPr/>
-                </a:tc>
-                <a:tc>
-                  <a:txBody>
-                    <a:bodyPr/>
-                    <a:lstStyle/>
-                    <a:p>
-                      <a:r>
-                        <a:rPr lang="en-US"/>
-                        <a:t>Elevate Bot</a:t>
-                      </a:r>
-                    </a:p>
-                  </a:txBody>
-                  <a:tcPr/>
-                </a:tc>
-                <a:extLst>
-                  <a:ext uri="{0D108BD9-81ED-4DB2-BD59-A6C34878D82A}">
-                    <a16:rowId xmlns:a16="http://schemas.microsoft.com/office/drawing/2014/main" val="952122081"/>
-                  </a:ext>
-                </a:extLst>
-              </a:tr>
-            </a:tbl>
-          </a:graphicData>
-        </a:graphic>
-      </p:graphicFrame>
-      <p:sp>
-        <p:nvSpPr>
-          <p:cNvPr id="3" name="TextBox 2">
-            <a:extLst>
-              <a:ext uri="{FF2B5EF4-FFF2-40B4-BE49-F238E27FC236}">
-                <a16:creationId xmlns:a16="http://schemas.microsoft.com/office/drawing/2014/main" id="{FDEBCC63-ABAA-4BDB-85AA-032DDC31B9F2}"/>
-              </a:ext>
-            </a:extLst>
-          </p:cNvPr>
-          <p:cNvSpPr txBox="1"/>
-          <p:nvPr/>
-        </p:nvSpPr>
-        <p:spPr>
-          <a:xfrm>
-            <a:off x="1066800" y="1600200"/>
-            <a:ext cx="8229600" cy="523220"/>
-          </a:xfrm>
-          <a:prstGeom prst="rect">
-            <a:avLst/>
-          </a:prstGeom>
-          <a:noFill/>
-        </p:spPr>
-        <p:txBody>
-          <a:bodyPr vert="horz" rtlCol="0">
-            <a:spAutoFit/>
-          </a:bodyPr>
-          <a:lstStyle/>
-          <a:p>
-            <a:r>
-              <a:rPr lang="en-US" sz="2800">
-                <a:latin typeface="Calibri" panose="020F0502020204030204" pitchFamily="34" charset="0"/>
-              </a:rPr>
-              <a:t>Risk Register as of  - 05/26/20</a:t>
-            </a:r>
-          </a:p>
-        </p:txBody>
+          </p:nvPr>
+        </p:nvSpPr>
+        <p:spPr/>
       </p:sp>
     </p:spTree>
     <p:extLst>
